--- a/slide.pptx
+++ b/slide.pptx
@@ -5,10 +5,10 @@
     <p:sldMasterId id="2147483658" r:id="rId1"/>
   </p:sldMasterIdLst>
   <p:notesMasterIdLst>
-    <p:notesMasterId r:id="rId19"/>
+    <p:notesMasterId r:id="rId21"/>
   </p:notesMasterIdLst>
   <p:handoutMasterIdLst>
-    <p:handoutMasterId r:id="rId20"/>
+    <p:handoutMasterId r:id="rId22"/>
   </p:handoutMasterIdLst>
   <p:sldIdLst>
     <p:sldId id="275" r:id="rId2"/>
@@ -21,13 +21,15 @@
     <p:sldId id="278" r:id="rId9"/>
     <p:sldId id="279" r:id="rId10"/>
     <p:sldId id="280" r:id="rId11"/>
-    <p:sldId id="270" r:id="rId12"/>
-    <p:sldId id="267" r:id="rId13"/>
-    <p:sldId id="271" r:id="rId14"/>
-    <p:sldId id="272" r:id="rId15"/>
-    <p:sldId id="273" r:id="rId16"/>
-    <p:sldId id="274" r:id="rId17"/>
-    <p:sldId id="269" r:id="rId18"/>
+    <p:sldId id="281" r:id="rId12"/>
+    <p:sldId id="282" r:id="rId13"/>
+    <p:sldId id="270" r:id="rId14"/>
+    <p:sldId id="267" r:id="rId15"/>
+    <p:sldId id="271" r:id="rId16"/>
+    <p:sldId id="272" r:id="rId17"/>
+    <p:sldId id="273" r:id="rId18"/>
+    <p:sldId id="274" r:id="rId19"/>
+    <p:sldId id="269" r:id="rId20"/>
   </p:sldIdLst>
   <p:sldSz cx="9144000" cy="6858000" type="screen4x3"/>
   <p:notesSz cx="6858000" cy="9144000"/>
@@ -132,6 +134,134 @@
     </p:ext>
   </p:extLst>
 </p:presentation>
+</file>
+
+<file path=ppt/revisionInfo.xml><?xml version="1.0" encoding="utf-8"?>
+<p1510:revInfo xmlns:a="http://schemas.openxmlformats.org/drawingml/2006/main" xmlns:r="http://schemas.openxmlformats.org/officeDocument/2006/relationships" xmlns:p1510="http://schemas.microsoft.com/office/powerpoint/2015/10/main">
+  <p1510:revLst>
+    <p1510:client id="{3B6D0809-80A2-472F-B650-D4DE374A892F}" v="55" dt="2024-12-14T06:34:34.086"/>
+  </p1510:revLst>
+</p1510:revInfo>
+</file>
+
+<file path=ppt/changesInfos/changesInfo1.xml><?xml version="1.0" encoding="utf-8"?>
+<pc:chgInfo xmlns:a="http://schemas.openxmlformats.org/drawingml/2006/main" xmlns:r="http://schemas.openxmlformats.org/officeDocument/2006/relationships" xmlns:ac="http://schemas.microsoft.com/office/drawing/2013/main/command" xmlns:pc="http://schemas.microsoft.com/office/powerpoint/2013/main/command">
+  <pc:docChgLst>
+    <pc:chgData name="Nguyen Xuan Tung 20215162" userId="ff5287ec-8605-4c48-8b31-3b2a9267c361" providerId="ADAL" clId="{3B6D0809-80A2-472F-B650-D4DE374A892F}"/>
+    <pc:docChg chg="undo custSel addSld delSld modSld sldOrd">
+      <pc:chgData name="Nguyen Xuan Tung 20215162" userId="ff5287ec-8605-4c48-8b31-3b2a9267c361" providerId="ADAL" clId="{3B6D0809-80A2-472F-B650-D4DE374A892F}" dt="2024-12-14T06:34:53.424" v="1781" actId="20577"/>
+      <pc:docMkLst>
+        <pc:docMk/>
+      </pc:docMkLst>
+      <pc:sldChg chg="ord">
+        <pc:chgData name="Nguyen Xuan Tung 20215162" userId="ff5287ec-8605-4c48-8b31-3b2a9267c361" providerId="ADAL" clId="{3B6D0809-80A2-472F-B650-D4DE374A892F}" dt="2024-12-14T05:16:12.595" v="60"/>
+        <pc:sldMkLst>
+          <pc:docMk/>
+          <pc:sldMk cId="64084651" sldId="261"/>
+        </pc:sldMkLst>
+      </pc:sldChg>
+      <pc:sldChg chg="ord">
+        <pc:chgData name="Nguyen Xuan Tung 20215162" userId="ff5287ec-8605-4c48-8b31-3b2a9267c361" providerId="ADAL" clId="{3B6D0809-80A2-472F-B650-D4DE374A892F}" dt="2024-12-14T05:15:42.676" v="29"/>
+        <pc:sldMkLst>
+          <pc:docMk/>
+          <pc:sldMk cId="2705798937" sldId="276"/>
+        </pc:sldMkLst>
+      </pc:sldChg>
+      <pc:sldChg chg="modSp mod">
+        <pc:chgData name="Nguyen Xuan Tung 20215162" userId="ff5287ec-8605-4c48-8b31-3b2a9267c361" providerId="ADAL" clId="{3B6D0809-80A2-472F-B650-D4DE374A892F}" dt="2024-12-14T05:16:05.709" v="58" actId="20577"/>
+        <pc:sldMkLst>
+          <pc:docMk/>
+          <pc:sldMk cId="2967087266" sldId="277"/>
+        </pc:sldMkLst>
+        <pc:graphicFrameChg chg="mod modGraphic">
+          <ac:chgData name="Nguyen Xuan Tung 20215162" userId="ff5287ec-8605-4c48-8b31-3b2a9267c361" providerId="ADAL" clId="{3B6D0809-80A2-472F-B650-D4DE374A892F}" dt="2024-12-14T05:16:05.709" v="58" actId="20577"/>
+          <ac:graphicFrameMkLst>
+            <pc:docMk/>
+            <pc:sldMk cId="2967087266" sldId="277"/>
+            <ac:graphicFrameMk id="5" creationId="{999AE825-987A-5F4E-D1E7-F22A476541DD}"/>
+          </ac:graphicFrameMkLst>
+        </pc:graphicFrameChg>
+      </pc:sldChg>
+      <pc:sldChg chg="addSp delSp modSp new mod ord">
+        <pc:chgData name="Nguyen Xuan Tung 20215162" userId="ff5287ec-8605-4c48-8b31-3b2a9267c361" providerId="ADAL" clId="{3B6D0809-80A2-472F-B650-D4DE374A892F}" dt="2024-12-14T05:30:52.939" v="1171" actId="1035"/>
+        <pc:sldMkLst>
+          <pc:docMk/>
+          <pc:sldMk cId="2555936117" sldId="281"/>
+        </pc:sldMkLst>
+        <pc:spChg chg="mod">
+          <ac:chgData name="Nguyen Xuan Tung 20215162" userId="ff5287ec-8605-4c48-8b31-3b2a9267c361" providerId="ADAL" clId="{3B6D0809-80A2-472F-B650-D4DE374A892F}" dt="2024-12-14T05:16:49.124" v="131" actId="20577"/>
+          <ac:spMkLst>
+            <pc:docMk/>
+            <pc:sldMk cId="2555936117" sldId="281"/>
+            <ac:spMk id="3" creationId="{CE35FC6D-E836-B9F6-78D6-D454505DD183}"/>
+          </ac:spMkLst>
+        </pc:spChg>
+        <pc:spChg chg="mod">
+          <ac:chgData name="Nguyen Xuan Tung 20215162" userId="ff5287ec-8605-4c48-8b31-3b2a9267c361" providerId="ADAL" clId="{3B6D0809-80A2-472F-B650-D4DE374A892F}" dt="2024-12-14T05:20:09.094" v="297" actId="1076"/>
+          <ac:spMkLst>
+            <pc:docMk/>
+            <pc:sldMk cId="2555936117" sldId="281"/>
+            <ac:spMk id="4" creationId="{20B1FFF9-9EA3-0CF2-27E5-E9CD123D0F3E}"/>
+          </ac:spMkLst>
+        </pc:spChg>
+        <pc:graphicFrameChg chg="add del mod">
+          <ac:chgData name="Nguyen Xuan Tung 20215162" userId="ff5287ec-8605-4c48-8b31-3b2a9267c361" providerId="ADAL" clId="{3B6D0809-80A2-472F-B650-D4DE374A892F}" dt="2024-12-14T05:19:34.667" v="250" actId="478"/>
+          <ac:graphicFrameMkLst>
+            <pc:docMk/>
+            <pc:sldMk cId="2555936117" sldId="281"/>
+            <ac:graphicFrameMk id="5" creationId="{7256D56A-1A0C-16E5-D06C-EA140E3305B2}"/>
+          </ac:graphicFrameMkLst>
+        </pc:graphicFrameChg>
+        <pc:graphicFrameChg chg="add mod modGraphic">
+          <ac:chgData name="Nguyen Xuan Tung 20215162" userId="ff5287ec-8605-4c48-8b31-3b2a9267c361" providerId="ADAL" clId="{3B6D0809-80A2-472F-B650-D4DE374A892F}" dt="2024-12-14T05:30:52.939" v="1171" actId="1035"/>
+          <ac:graphicFrameMkLst>
+            <pc:docMk/>
+            <pc:sldMk cId="2555936117" sldId="281"/>
+            <ac:graphicFrameMk id="6" creationId="{19C6C6BE-C55A-F430-4427-C7B2424B9395}"/>
+          </ac:graphicFrameMkLst>
+        </pc:graphicFrameChg>
+      </pc:sldChg>
+      <pc:sldChg chg="delSp modSp add mod">
+        <pc:chgData name="Nguyen Xuan Tung 20215162" userId="ff5287ec-8605-4c48-8b31-3b2a9267c361" providerId="ADAL" clId="{3B6D0809-80A2-472F-B650-D4DE374A892F}" dt="2024-12-14T06:34:53.424" v="1781" actId="20577"/>
+        <pc:sldMkLst>
+          <pc:docMk/>
+          <pc:sldMk cId="3288969512" sldId="282"/>
+        </pc:sldMkLst>
+        <pc:spChg chg="mod">
+          <ac:chgData name="Nguyen Xuan Tung 20215162" userId="ff5287ec-8605-4c48-8b31-3b2a9267c361" providerId="ADAL" clId="{3B6D0809-80A2-472F-B650-D4DE374A892F}" dt="2024-12-14T05:31:56.561" v="1185" actId="20577"/>
+          <ac:spMkLst>
+            <pc:docMk/>
+            <pc:sldMk cId="3288969512" sldId="282"/>
+            <ac:spMk id="3" creationId="{D858E631-FF08-DF29-8EC0-3B4C851B9A49}"/>
+          </ac:spMkLst>
+        </pc:spChg>
+        <pc:spChg chg="del mod">
+          <ac:chgData name="Nguyen Xuan Tung 20215162" userId="ff5287ec-8605-4c48-8b31-3b2a9267c361" providerId="ADAL" clId="{3B6D0809-80A2-472F-B650-D4DE374A892F}" dt="2024-12-14T05:32:04.892" v="1187" actId="478"/>
+          <ac:spMkLst>
+            <pc:docMk/>
+            <pc:sldMk cId="3288969512" sldId="282"/>
+            <ac:spMk id="4" creationId="{6CCEF671-4F9F-C352-F76C-F1CFE34927BA}"/>
+          </ac:spMkLst>
+        </pc:spChg>
+        <pc:graphicFrameChg chg="mod modGraphic">
+          <ac:chgData name="Nguyen Xuan Tung 20215162" userId="ff5287ec-8605-4c48-8b31-3b2a9267c361" providerId="ADAL" clId="{3B6D0809-80A2-472F-B650-D4DE374A892F}" dt="2024-12-14T06:34:53.424" v="1781" actId="20577"/>
+          <ac:graphicFrameMkLst>
+            <pc:docMk/>
+            <pc:sldMk cId="3288969512" sldId="282"/>
+            <ac:graphicFrameMk id="6" creationId="{E9DC84DA-A0E2-0EF7-1117-5D602B70FAAC}"/>
+          </ac:graphicFrameMkLst>
+        </pc:graphicFrameChg>
+      </pc:sldChg>
+      <pc:sldChg chg="add del">
+        <pc:chgData name="Nguyen Xuan Tung 20215162" userId="ff5287ec-8605-4c48-8b31-3b2a9267c361" providerId="ADAL" clId="{3B6D0809-80A2-472F-B650-D4DE374A892F}" dt="2024-12-14T05:31:45.309" v="1174"/>
+        <pc:sldMkLst>
+          <pc:docMk/>
+          <pc:sldMk cId="786162295" sldId="283"/>
+        </pc:sldMkLst>
+      </pc:sldChg>
+    </pc:docChg>
+  </pc:docChgLst>
+</pc:chgInfo>
 </file>
 
 <file path=ppt/handoutMasters/handoutMaster1.xml><?xml version="1.0" encoding="utf-8"?>
@@ -4911,7 +5041,7 @@
           <p:cNvPr id="2" name="Slide Number Placeholder 1">
             <a:extLst>
               <a:ext uri="{FF2B5EF4-FFF2-40B4-BE49-F238E27FC236}">
-                <a16:creationId xmlns:a16="http://schemas.microsoft.com/office/drawing/2014/main" id="{34AD8E52-349C-EF76-69EB-C09C6078A876}"/>
+                <a16:creationId xmlns:a16="http://schemas.microsoft.com/office/drawing/2014/main" id="{5E1E53C1-B782-094D-DE7C-D2ADB368A249}"/>
               </a:ext>
             </a:extLst>
           </p:cNvPr>
@@ -4938,18 +5068,18 @@
       </p:sp>
       <p:sp>
         <p:nvSpPr>
-          <p:cNvPr id="3" name="Content Placeholder 2">
-            <a:extLst>
-              <a:ext uri="{FF2B5EF4-FFF2-40B4-BE49-F238E27FC236}">
-                <a16:creationId xmlns:a16="http://schemas.microsoft.com/office/drawing/2014/main" id="{A39BBC82-5CC8-86B3-6CF8-6714E6B82E38}"/>
-              </a:ext>
-            </a:extLst>
-          </p:cNvPr>
-          <p:cNvSpPr>
-            <a:spLocks noGrp="1"/>
-          </p:cNvSpPr>
-          <p:nvPr>
-            <p:ph sz="half" idx="1"/>
+          <p:cNvPr id="3" name="Title 2">
+            <a:extLst>
+              <a:ext uri="{FF2B5EF4-FFF2-40B4-BE49-F238E27FC236}">
+                <a16:creationId xmlns:a16="http://schemas.microsoft.com/office/drawing/2014/main" id="{CE35FC6D-E836-B9F6-78D6-D454505DD183}"/>
+              </a:ext>
+            </a:extLst>
+          </p:cNvPr>
+          <p:cNvSpPr>
+            <a:spLocks noGrp="1"/>
+          </p:cNvSpPr>
+          <p:nvPr>
+            <p:ph type="title"/>
           </p:nvPr>
         </p:nvSpPr>
         <p:spPr/>
@@ -4957,7 +5087,11 @@
           <a:bodyPr/>
           <a:lstStyle/>
           <a:p>
-            <a:endParaRPr lang="en-US"/>
+            <a:r>
+              <a:rPr lang="vi-VN" dirty="0"/>
+              <a:t>3. Thiết kế giao thức và định dạng thông điệp</a:t>
+            </a:r>
+            <a:endParaRPr lang="en-US" dirty="0"/>
           </a:p>
         </p:txBody>
       </p:sp>
@@ -4966,55 +5100,836 @@
           <p:cNvPr id="4" name="Content Placeholder 3">
             <a:extLst>
               <a:ext uri="{FF2B5EF4-FFF2-40B4-BE49-F238E27FC236}">
-                <a16:creationId xmlns:a16="http://schemas.microsoft.com/office/drawing/2014/main" id="{E62E6E8B-CA6C-55F9-B624-AB2BC25AF2A3}"/>
-              </a:ext>
-            </a:extLst>
-          </p:cNvPr>
-          <p:cNvSpPr>
-            <a:spLocks noGrp="1"/>
-          </p:cNvSpPr>
-          <p:nvPr>
-            <p:ph sz="half" idx="2"/>
-          </p:nvPr>
-        </p:nvSpPr>
-        <p:spPr/>
+                <a16:creationId xmlns:a16="http://schemas.microsoft.com/office/drawing/2014/main" id="{20B1FFF9-9EA3-0CF2-27E5-E9CD123D0F3E}"/>
+              </a:ext>
+            </a:extLst>
+          </p:cNvPr>
+          <p:cNvSpPr>
+            <a:spLocks noGrp="1"/>
+          </p:cNvSpPr>
+          <p:nvPr>
+            <p:ph sz="quarter" idx="13"/>
+          </p:nvPr>
+        </p:nvSpPr>
+        <p:spPr>
+          <a:xfrm>
+            <a:off x="234823" y="899542"/>
+            <a:ext cx="8674100" cy="5303393"/>
+          </a:xfrm>
+        </p:spPr>
         <p:txBody>
           <a:bodyPr/>
           <a:lstStyle/>
           <a:p>
-            <a:endParaRPr lang="en-US"/>
-          </a:p>
-        </p:txBody>
-      </p:sp>
-      <p:sp>
-        <p:nvSpPr>
-          <p:cNvPr id="5" name="Title 4">
-            <a:extLst>
-              <a:ext uri="{FF2B5EF4-FFF2-40B4-BE49-F238E27FC236}">
-                <a16:creationId xmlns:a16="http://schemas.microsoft.com/office/drawing/2014/main" id="{5131D202-5F2A-ABF7-24FC-3F311F569FC5}"/>
-              </a:ext>
-            </a:extLst>
-          </p:cNvPr>
-          <p:cNvSpPr>
-            <a:spLocks noGrp="1"/>
-          </p:cNvSpPr>
-          <p:nvPr>
-            <p:ph type="title"/>
-          </p:nvPr>
-        </p:nvSpPr>
-        <p:spPr/>
-        <p:txBody>
-          <a:bodyPr/>
-          <a:lstStyle/>
-          <a:p>
-            <a:endParaRPr lang="en-US"/>
-          </a:p>
-        </p:txBody>
-      </p:sp>
+            <a:r>
+              <a:rPr lang="vi-VN" dirty="0"/>
+              <a:t>Sử dụng kết TCP/IP để kết nối client-server</a:t>
+            </a:r>
+          </a:p>
+          <a:p>
+            <a:r>
+              <a:rPr lang="vi-VN" dirty="0"/>
+              <a:t>Bảng định dạng thông điệp</a:t>
+            </a:r>
+          </a:p>
+          <a:p>
+            <a:pPr marL="0" indent="0">
+              <a:buNone/>
+            </a:pPr>
+            <a:endParaRPr lang="en-US" dirty="0"/>
+          </a:p>
+        </p:txBody>
+      </p:sp>
+      <p:graphicFrame>
+        <p:nvGraphicFramePr>
+          <p:cNvPr id="6" name="Table 5">
+            <a:extLst>
+              <a:ext uri="{FF2B5EF4-FFF2-40B4-BE49-F238E27FC236}">
+                <a16:creationId xmlns:a16="http://schemas.microsoft.com/office/drawing/2014/main" id="{19C6C6BE-C55A-F430-4427-C7B2424B9395}"/>
+              </a:ext>
+            </a:extLst>
+          </p:cNvPr>
+          <p:cNvGraphicFramePr>
+            <a:graphicFrameLocks noGrp="1"/>
+          </p:cNvGraphicFramePr>
+          <p:nvPr>
+            <p:extLst>
+              <p:ext uri="{D42A27DB-BD31-4B8C-83A1-F6EECF244321}">
+                <p14:modId xmlns:p14="http://schemas.microsoft.com/office/powerpoint/2010/main" val="3745435621"/>
+              </p:ext>
+            </p:extLst>
+          </p:nvPr>
+        </p:nvGraphicFramePr>
+        <p:xfrm>
+          <a:off x="288860" y="1934434"/>
+          <a:ext cx="8566026" cy="4118022"/>
+        </p:xfrm>
+        <a:graphic>
+          <a:graphicData uri="http://schemas.openxmlformats.org/drawingml/2006/table">
+            <a:tbl>
+              <a:tblPr firstRow="1" bandRow="1">
+                <a:tableStyleId>{5C22544A-7EE6-4342-B048-85BDC9FD1C3A}</a:tableStyleId>
+              </a:tblPr>
+              <a:tblGrid>
+                <a:gridCol w="1556659">
+                  <a:extLst>
+                    <a:ext uri="{9D8B030D-6E8A-4147-A177-3AD203B41FA5}">
+                      <a16:colId xmlns:a16="http://schemas.microsoft.com/office/drawing/2014/main" val="2131456512"/>
+                    </a:ext>
+                  </a:extLst>
+                </a:gridCol>
+                <a:gridCol w="1703614">
+                  <a:extLst>
+                    <a:ext uri="{9D8B030D-6E8A-4147-A177-3AD203B41FA5}">
+                      <a16:colId xmlns:a16="http://schemas.microsoft.com/office/drawing/2014/main" val="1416479869"/>
+                    </a:ext>
+                  </a:extLst>
+                </a:gridCol>
+                <a:gridCol w="5305753">
+                  <a:extLst>
+                    <a:ext uri="{9D8B030D-6E8A-4147-A177-3AD203B41FA5}">
+                      <a16:colId xmlns:a16="http://schemas.microsoft.com/office/drawing/2014/main" val="1888213712"/>
+                    </a:ext>
+                  </a:extLst>
+                </a:gridCol>
+              </a:tblGrid>
+              <a:tr h="414702">
+                <a:tc>
+                  <a:txBody>
+                    <a:bodyPr/>
+                    <a:lstStyle/>
+                    <a:p>
+                      <a:r>
+                        <a:rPr lang="vi-VN" sz="1600" dirty="0"/>
+                        <a:t>Thông điệp</a:t>
+                      </a:r>
+                      <a:endParaRPr lang="en-US" sz="1600" dirty="0"/>
+                    </a:p>
+                  </a:txBody>
+                  <a:tcPr/>
+                </a:tc>
+                <a:tc>
+                  <a:txBody>
+                    <a:bodyPr/>
+                    <a:lstStyle/>
+                    <a:p>
+                      <a:r>
+                        <a:rPr lang="vi-VN" sz="1600" dirty="0"/>
+                        <a:t>Phía gửi</a:t>
+                      </a:r>
+                      <a:endParaRPr lang="en-US" sz="1600" dirty="0"/>
+                    </a:p>
+                  </a:txBody>
+                  <a:tcPr/>
+                </a:tc>
+                <a:tc>
+                  <a:txBody>
+                    <a:bodyPr/>
+                    <a:lstStyle/>
+                    <a:p>
+                      <a:r>
+                        <a:rPr lang="vi-VN" sz="1600" dirty="0"/>
+                        <a:t>Mô tả</a:t>
+                      </a:r>
+                      <a:endParaRPr lang="en-US" sz="1600" dirty="0"/>
+                    </a:p>
+                  </a:txBody>
+                  <a:tcPr/>
+                </a:tc>
+                <a:extLst>
+                  <a:ext uri="{0D108BD9-81ED-4DB2-BD59-A6C34878D82A}">
+                    <a16:rowId xmlns:a16="http://schemas.microsoft.com/office/drawing/2014/main" val="210979217"/>
+                  </a:ext>
+                </a:extLst>
+              </a:tr>
+              <a:tr h="370840">
+                <a:tc>
+                  <a:txBody>
+                    <a:bodyPr/>
+                    <a:lstStyle/>
+                    <a:p>
+                      <a:r>
+                        <a:rPr lang="vi-VN" sz="1600" dirty="0"/>
+                        <a:t>0x01</a:t>
+                      </a:r>
+                      <a:endParaRPr lang="en-US" sz="1600" dirty="0"/>
+                    </a:p>
+                  </a:txBody>
+                  <a:tcPr/>
+                </a:tc>
+                <a:tc>
+                  <a:txBody>
+                    <a:bodyPr/>
+                    <a:lstStyle/>
+                    <a:p>
+                      <a:r>
+                        <a:rPr lang="en-US" sz="1600" dirty="0"/>
+                        <a:t>Client → Server</a:t>
+                      </a:r>
+                    </a:p>
+                  </a:txBody>
+                  <a:tcPr/>
+                </a:tc>
+                <a:tc>
+                  <a:txBody>
+                    <a:bodyPr/>
+                    <a:lstStyle/>
+                    <a:p>
+                      <a:r>
+                        <a:rPr lang="vi-VN" sz="1600" dirty="0"/>
+                        <a:t>Gửi dùng gửi yêu cầu đăng nhập (kèm username, password)</a:t>
+                      </a:r>
+                      <a:endParaRPr lang="en-US" sz="1600" dirty="0"/>
+                    </a:p>
+                  </a:txBody>
+                  <a:tcPr/>
+                </a:tc>
+                <a:extLst>
+                  <a:ext uri="{0D108BD9-81ED-4DB2-BD59-A6C34878D82A}">
+                    <a16:rowId xmlns:a16="http://schemas.microsoft.com/office/drawing/2014/main" val="4119754301"/>
+                  </a:ext>
+                </a:extLst>
+              </a:tr>
+              <a:tr h="370840">
+                <a:tc>
+                  <a:txBody>
+                    <a:bodyPr/>
+                    <a:lstStyle/>
+                    <a:p>
+                      <a:r>
+                        <a:rPr lang="vi-VN" sz="1600" dirty="0"/>
+                        <a:t>0x02</a:t>
+                      </a:r>
+                      <a:endParaRPr lang="en-US" sz="1600" dirty="0"/>
+                    </a:p>
+                  </a:txBody>
+                  <a:tcPr/>
+                </a:tc>
+                <a:tc>
+                  <a:txBody>
+                    <a:bodyPr/>
+                    <a:lstStyle/>
+                    <a:p>
+                      <a:r>
+                        <a:rPr lang="vi-VN" sz="1600" dirty="0"/>
+                        <a:t>Server </a:t>
+                      </a:r>
+                      <a:r>
+                        <a:rPr lang="en-US" sz="1600" dirty="0"/>
+                        <a:t>→</a:t>
+                      </a:r>
+                      <a:r>
+                        <a:rPr lang="vi-VN" sz="1600" dirty="0"/>
+                        <a:t> Client</a:t>
+                      </a:r>
+                      <a:endParaRPr lang="en-US" sz="1600" dirty="0"/>
+                    </a:p>
+                  </a:txBody>
+                  <a:tcPr/>
+                </a:tc>
+                <a:tc>
+                  <a:txBody>
+                    <a:bodyPr/>
+                    <a:lstStyle/>
+                    <a:p>
+                      <a:r>
+                        <a:rPr lang="vi-VN" sz="1600" dirty="0"/>
+                        <a:t>Trả về mã đăng nhập thành công</a:t>
+                      </a:r>
+                      <a:endParaRPr lang="en-US" sz="1600" dirty="0"/>
+                    </a:p>
+                  </a:txBody>
+                  <a:tcPr/>
+                </a:tc>
+                <a:extLst>
+                  <a:ext uri="{0D108BD9-81ED-4DB2-BD59-A6C34878D82A}">
+                    <a16:rowId xmlns:a16="http://schemas.microsoft.com/office/drawing/2014/main" val="3202592873"/>
+                  </a:ext>
+                </a:extLst>
+              </a:tr>
+              <a:tr h="370840">
+                <a:tc>
+                  <a:txBody>
+                    <a:bodyPr/>
+                    <a:lstStyle/>
+                    <a:p>
+                      <a:r>
+                        <a:rPr lang="vi-VN" sz="1600" dirty="0"/>
+                        <a:t>0x03</a:t>
+                      </a:r>
+                      <a:endParaRPr lang="en-US" sz="1600" dirty="0"/>
+                    </a:p>
+                  </a:txBody>
+                  <a:tcPr/>
+                </a:tc>
+                <a:tc>
+                  <a:txBody>
+                    <a:bodyPr/>
+                    <a:lstStyle/>
+                    <a:p>
+                      <a:pPr marL="0" marR="0" lvl="0" indent="0" algn="l" defTabSz="914400" rtl="0" eaLnBrk="1" fontAlgn="auto" latinLnBrk="0" hangingPunct="1">
+                        <a:lnSpc>
+                          <a:spcPct val="100000"/>
+                        </a:lnSpc>
+                        <a:spcBef>
+                          <a:spcPts val="0"/>
+                        </a:spcBef>
+                        <a:spcAft>
+                          <a:spcPts val="0"/>
+                        </a:spcAft>
+                        <a:buClrTx/>
+                        <a:buSzTx/>
+                        <a:buFontTx/>
+                        <a:buNone/>
+                        <a:tabLst/>
+                        <a:defRPr/>
+                      </a:pPr>
+                      <a:r>
+                        <a:rPr lang="vi-VN" sz="1600" dirty="0"/>
+                        <a:t>Server </a:t>
+                      </a:r>
+                      <a:r>
+                        <a:rPr lang="en-US" sz="1600" dirty="0"/>
+                        <a:t>→</a:t>
+                      </a:r>
+                      <a:r>
+                        <a:rPr lang="vi-VN" sz="1600" dirty="0"/>
+                        <a:t> Client</a:t>
+                      </a:r>
+                      <a:endParaRPr lang="en-US" sz="1600" dirty="0"/>
+                    </a:p>
+                  </a:txBody>
+                  <a:tcPr/>
+                </a:tc>
+                <a:tc>
+                  <a:txBody>
+                    <a:bodyPr/>
+                    <a:lstStyle/>
+                    <a:p>
+                      <a:r>
+                        <a:rPr lang="vi-VN" sz="1600" dirty="0"/>
+                        <a:t>Trả về mã đăng nhập thất bại</a:t>
+                      </a:r>
+                      <a:endParaRPr lang="en-US" sz="1600" dirty="0"/>
+                    </a:p>
+                  </a:txBody>
+                  <a:tcPr/>
+                </a:tc>
+                <a:extLst>
+                  <a:ext uri="{0D108BD9-81ED-4DB2-BD59-A6C34878D82A}">
+                    <a16:rowId xmlns:a16="http://schemas.microsoft.com/office/drawing/2014/main" val="533751023"/>
+                  </a:ext>
+                </a:extLst>
+              </a:tr>
+              <a:tr h="370840">
+                <a:tc>
+                  <a:txBody>
+                    <a:bodyPr/>
+                    <a:lstStyle/>
+                    <a:p>
+                      <a:r>
+                        <a:rPr lang="vi-VN" sz="1600" dirty="0"/>
+                        <a:t>0x04</a:t>
+                      </a:r>
+                      <a:endParaRPr lang="en-US" sz="1600" dirty="0"/>
+                    </a:p>
+                  </a:txBody>
+                  <a:tcPr/>
+                </a:tc>
+                <a:tc>
+                  <a:txBody>
+                    <a:bodyPr/>
+                    <a:lstStyle/>
+                    <a:p>
+                      <a:pPr marL="0" marR="0" lvl="0" indent="0" algn="l" defTabSz="914400" rtl="0" eaLnBrk="1" fontAlgn="auto" latinLnBrk="0" hangingPunct="1">
+                        <a:lnSpc>
+                          <a:spcPct val="100000"/>
+                        </a:lnSpc>
+                        <a:spcBef>
+                          <a:spcPts val="0"/>
+                        </a:spcBef>
+                        <a:spcAft>
+                          <a:spcPts val="0"/>
+                        </a:spcAft>
+                        <a:buClrTx/>
+                        <a:buSzTx/>
+                        <a:buFontTx/>
+                        <a:buNone/>
+                        <a:tabLst/>
+                        <a:defRPr/>
+                      </a:pPr>
+                      <a:r>
+                        <a:rPr lang="en-US" sz="1600" dirty="0"/>
+                        <a:t>Client → Server</a:t>
+                      </a:r>
+                    </a:p>
+                  </a:txBody>
+                  <a:tcPr/>
+                </a:tc>
+                <a:tc>
+                  <a:txBody>
+                    <a:bodyPr/>
+                    <a:lstStyle/>
+                    <a:p>
+                      <a:r>
+                        <a:rPr lang="vi-VN" sz="1600" dirty="0"/>
+                        <a:t>Gửi yêu cầu đăng ký tài khoản</a:t>
+                      </a:r>
+                      <a:endParaRPr lang="en-US" sz="1600" dirty="0"/>
+                    </a:p>
+                  </a:txBody>
+                  <a:tcPr/>
+                </a:tc>
+                <a:extLst>
+                  <a:ext uri="{0D108BD9-81ED-4DB2-BD59-A6C34878D82A}">
+                    <a16:rowId xmlns:a16="http://schemas.microsoft.com/office/drawing/2014/main" val="4173729533"/>
+                  </a:ext>
+                </a:extLst>
+              </a:tr>
+              <a:tr h="328068">
+                <a:tc>
+                  <a:txBody>
+                    <a:bodyPr/>
+                    <a:lstStyle/>
+                    <a:p>
+                      <a:r>
+                        <a:rPr lang="vi-VN" sz="1600" dirty="0"/>
+                        <a:t>0x05</a:t>
+                      </a:r>
+                      <a:endParaRPr lang="en-US" sz="1600" dirty="0"/>
+                    </a:p>
+                  </a:txBody>
+                  <a:tcPr/>
+                </a:tc>
+                <a:tc>
+                  <a:txBody>
+                    <a:bodyPr/>
+                    <a:lstStyle/>
+                    <a:p>
+                      <a:pPr marL="0" marR="0" lvl="0" indent="0" algn="l" defTabSz="914400" rtl="0" eaLnBrk="1" fontAlgn="auto" latinLnBrk="0" hangingPunct="1">
+                        <a:lnSpc>
+                          <a:spcPct val="100000"/>
+                        </a:lnSpc>
+                        <a:spcBef>
+                          <a:spcPts val="0"/>
+                        </a:spcBef>
+                        <a:spcAft>
+                          <a:spcPts val="0"/>
+                        </a:spcAft>
+                        <a:buClrTx/>
+                        <a:buSzTx/>
+                        <a:buFontTx/>
+                        <a:buNone/>
+                        <a:tabLst/>
+                        <a:defRPr/>
+                      </a:pPr>
+                      <a:r>
+                        <a:rPr lang="vi-VN" sz="1600" dirty="0"/>
+                        <a:t>Server </a:t>
+                      </a:r>
+                      <a:r>
+                        <a:rPr lang="en-US" sz="1600" dirty="0"/>
+                        <a:t>→</a:t>
+                      </a:r>
+                      <a:r>
+                        <a:rPr lang="vi-VN" sz="1600" dirty="0"/>
+                        <a:t> Client</a:t>
+                      </a:r>
+                      <a:endParaRPr lang="en-US" sz="1600" dirty="0"/>
+                    </a:p>
+                  </a:txBody>
+                  <a:tcPr/>
+                </a:tc>
+                <a:tc>
+                  <a:txBody>
+                    <a:bodyPr/>
+                    <a:lstStyle/>
+                    <a:p>
+                      <a:r>
+                        <a:rPr lang="vi-VN" sz="1600" dirty="0"/>
+                        <a:t>Trả về kết quả đăng ký thành công</a:t>
+                      </a:r>
+                      <a:endParaRPr lang="en-US" sz="1600" dirty="0"/>
+                    </a:p>
+                  </a:txBody>
+                  <a:tcPr/>
+                </a:tc>
+                <a:extLst>
+                  <a:ext uri="{0D108BD9-81ED-4DB2-BD59-A6C34878D82A}">
+                    <a16:rowId xmlns:a16="http://schemas.microsoft.com/office/drawing/2014/main" val="2918780799"/>
+                  </a:ext>
+                </a:extLst>
+              </a:tr>
+              <a:tr h="328068">
+                <a:tc>
+                  <a:txBody>
+                    <a:bodyPr/>
+                    <a:lstStyle/>
+                    <a:p>
+                      <a:r>
+                        <a:rPr lang="vi-VN" sz="1600" dirty="0"/>
+                        <a:t>0x06</a:t>
+                      </a:r>
+                      <a:endParaRPr lang="en-US" sz="1600" dirty="0"/>
+                    </a:p>
+                  </a:txBody>
+                  <a:tcPr/>
+                </a:tc>
+                <a:tc>
+                  <a:txBody>
+                    <a:bodyPr/>
+                    <a:lstStyle/>
+                    <a:p>
+                      <a:pPr marL="0" marR="0" lvl="0" indent="0" algn="l" defTabSz="914400" rtl="0" eaLnBrk="1" fontAlgn="auto" latinLnBrk="0" hangingPunct="1">
+                        <a:lnSpc>
+                          <a:spcPct val="100000"/>
+                        </a:lnSpc>
+                        <a:spcBef>
+                          <a:spcPts val="0"/>
+                        </a:spcBef>
+                        <a:spcAft>
+                          <a:spcPts val="0"/>
+                        </a:spcAft>
+                        <a:buClrTx/>
+                        <a:buSzTx/>
+                        <a:buFontTx/>
+                        <a:buNone/>
+                        <a:tabLst/>
+                        <a:defRPr/>
+                      </a:pPr>
+                      <a:r>
+                        <a:rPr lang="vi-VN" sz="1600" dirty="0"/>
+                        <a:t>Server </a:t>
+                      </a:r>
+                      <a:r>
+                        <a:rPr lang="en-US" sz="1600" dirty="0"/>
+                        <a:t>→</a:t>
+                      </a:r>
+                      <a:r>
+                        <a:rPr lang="vi-VN" sz="1600" dirty="0"/>
+                        <a:t> Client</a:t>
+                      </a:r>
+                      <a:endParaRPr lang="en-US" sz="1600" dirty="0"/>
+                    </a:p>
+                  </a:txBody>
+                  <a:tcPr/>
+                </a:tc>
+                <a:tc>
+                  <a:txBody>
+                    <a:bodyPr/>
+                    <a:lstStyle/>
+                    <a:p>
+                      <a:r>
+                        <a:rPr lang="vi-VN" sz="1600" dirty="0"/>
+                        <a:t>Trả về kết quả đăng ký thất bại do tên username bị trùng</a:t>
+                      </a:r>
+                      <a:endParaRPr lang="en-US" sz="1600" dirty="0"/>
+                    </a:p>
+                  </a:txBody>
+                  <a:tcPr/>
+                </a:tc>
+                <a:extLst>
+                  <a:ext uri="{0D108BD9-81ED-4DB2-BD59-A6C34878D82A}">
+                    <a16:rowId xmlns:a16="http://schemas.microsoft.com/office/drawing/2014/main" val="1079580832"/>
+                  </a:ext>
+                </a:extLst>
+              </a:tr>
+              <a:tr h="328068">
+                <a:tc>
+                  <a:txBody>
+                    <a:bodyPr/>
+                    <a:lstStyle/>
+                    <a:p>
+                      <a:r>
+                        <a:rPr lang="vi-VN" sz="1600" dirty="0"/>
+                        <a:t>0x07</a:t>
+                      </a:r>
+                      <a:endParaRPr lang="en-US" sz="1600" dirty="0"/>
+                    </a:p>
+                  </a:txBody>
+                  <a:tcPr/>
+                </a:tc>
+                <a:tc>
+                  <a:txBody>
+                    <a:bodyPr/>
+                    <a:lstStyle/>
+                    <a:p>
+                      <a:pPr marL="0" marR="0" lvl="0" indent="0" algn="l" defTabSz="914400" rtl="0" eaLnBrk="1" fontAlgn="auto" latinLnBrk="0" hangingPunct="1">
+                        <a:lnSpc>
+                          <a:spcPct val="100000"/>
+                        </a:lnSpc>
+                        <a:spcBef>
+                          <a:spcPts val="0"/>
+                        </a:spcBef>
+                        <a:spcAft>
+                          <a:spcPts val="0"/>
+                        </a:spcAft>
+                        <a:buClrTx/>
+                        <a:buSzTx/>
+                        <a:buFontTx/>
+                        <a:buNone/>
+                        <a:tabLst/>
+                        <a:defRPr/>
+                      </a:pPr>
+                      <a:r>
+                        <a:rPr lang="en-US" sz="1600" dirty="0"/>
+                        <a:t>Client → Server</a:t>
+                      </a:r>
+                      <a:r>
+                        <a:rPr lang="vi-VN" sz="1600" dirty="0"/>
+                        <a:t> </a:t>
+                      </a:r>
+                      <a:endParaRPr lang="en-US" sz="1600" dirty="0"/>
+                    </a:p>
+                  </a:txBody>
+                  <a:tcPr/>
+                </a:tc>
+                <a:tc>
+                  <a:txBody>
+                    <a:bodyPr/>
+                    <a:lstStyle/>
+                    <a:p>
+                      <a:r>
+                        <a:rPr lang="vi-VN" sz="1600" dirty="0"/>
+                        <a:t>Gửi yêu cầu nhận câu hỏi, server trả về data câu hỏi</a:t>
+                      </a:r>
+                      <a:endParaRPr lang="en-US" sz="1600" dirty="0"/>
+                    </a:p>
+                  </a:txBody>
+                  <a:tcPr/>
+                </a:tc>
+                <a:extLst>
+                  <a:ext uri="{0D108BD9-81ED-4DB2-BD59-A6C34878D82A}">
+                    <a16:rowId xmlns:a16="http://schemas.microsoft.com/office/drawing/2014/main" val="3590093665"/>
+                  </a:ext>
+                </a:extLst>
+              </a:tr>
+              <a:tr h="328068">
+                <a:tc>
+                  <a:txBody>
+                    <a:bodyPr/>
+                    <a:lstStyle/>
+                    <a:p>
+                      <a:r>
+                        <a:rPr lang="vi-VN" sz="1600" dirty="0"/>
+                        <a:t>0x08</a:t>
+                      </a:r>
+                      <a:endParaRPr lang="en-US" sz="1600" dirty="0"/>
+                    </a:p>
+                  </a:txBody>
+                  <a:tcPr/>
+                </a:tc>
+                <a:tc>
+                  <a:txBody>
+                    <a:bodyPr/>
+                    <a:lstStyle/>
+                    <a:p>
+                      <a:pPr marL="0" marR="0" lvl="0" indent="0" algn="l" defTabSz="914400" rtl="0" eaLnBrk="1" fontAlgn="auto" latinLnBrk="0" hangingPunct="1">
+                        <a:lnSpc>
+                          <a:spcPct val="100000"/>
+                        </a:lnSpc>
+                        <a:spcBef>
+                          <a:spcPts val="0"/>
+                        </a:spcBef>
+                        <a:spcAft>
+                          <a:spcPts val="0"/>
+                        </a:spcAft>
+                        <a:buClrTx/>
+                        <a:buSzTx/>
+                        <a:buFontTx/>
+                        <a:buNone/>
+                        <a:tabLst/>
+                        <a:defRPr/>
+                      </a:pPr>
+                      <a:r>
+                        <a:rPr lang="en-US" sz="1600" dirty="0"/>
+                        <a:t>Client → Server</a:t>
+                      </a:r>
+                      <a:r>
+                        <a:rPr lang="vi-VN" sz="1600" dirty="0"/>
+                        <a:t> </a:t>
+                      </a:r>
+                      <a:endParaRPr lang="en-US" sz="1600" dirty="0"/>
+                    </a:p>
+                  </a:txBody>
+                  <a:tcPr/>
+                </a:tc>
+                <a:tc>
+                  <a:txBody>
+                    <a:bodyPr/>
+                    <a:lstStyle/>
+                    <a:p>
+                      <a:r>
+                        <a:rPr lang="vi-VN" sz="1600" dirty="0"/>
+                        <a:t>Gửi khi người dùng chọn đáp án</a:t>
+                      </a:r>
+                      <a:endParaRPr lang="en-US" sz="1600" dirty="0"/>
+                    </a:p>
+                  </a:txBody>
+                  <a:tcPr/>
+                </a:tc>
+                <a:extLst>
+                  <a:ext uri="{0D108BD9-81ED-4DB2-BD59-A6C34878D82A}">
+                    <a16:rowId xmlns:a16="http://schemas.microsoft.com/office/drawing/2014/main" val="750093135"/>
+                  </a:ext>
+                </a:extLst>
+              </a:tr>
+              <a:tr h="328068">
+                <a:tc>
+                  <a:txBody>
+                    <a:bodyPr/>
+                    <a:lstStyle/>
+                    <a:p>
+                      <a:r>
+                        <a:rPr lang="vi-VN" sz="1600" dirty="0"/>
+                        <a:t>0x09</a:t>
+                      </a:r>
+                      <a:endParaRPr lang="en-US" sz="1600" dirty="0"/>
+                    </a:p>
+                  </a:txBody>
+                  <a:tcPr/>
+                </a:tc>
+                <a:tc>
+                  <a:txBody>
+                    <a:bodyPr/>
+                    <a:lstStyle/>
+                    <a:p>
+                      <a:pPr marL="0" marR="0" lvl="0" indent="0" algn="l" defTabSz="914400" rtl="0" eaLnBrk="1" fontAlgn="auto" latinLnBrk="0" hangingPunct="1">
+                        <a:lnSpc>
+                          <a:spcPct val="100000"/>
+                        </a:lnSpc>
+                        <a:spcBef>
+                          <a:spcPts val="0"/>
+                        </a:spcBef>
+                        <a:spcAft>
+                          <a:spcPts val="0"/>
+                        </a:spcAft>
+                        <a:buClrTx/>
+                        <a:buSzTx/>
+                        <a:buFontTx/>
+                        <a:buNone/>
+                        <a:tabLst/>
+                        <a:defRPr/>
+                      </a:pPr>
+                      <a:r>
+                        <a:rPr lang="vi-VN" sz="1600" dirty="0"/>
+                        <a:t>Server </a:t>
+                      </a:r>
+                      <a:r>
+                        <a:rPr lang="en-US" sz="1600" dirty="0"/>
+                        <a:t>→</a:t>
+                      </a:r>
+                      <a:r>
+                        <a:rPr lang="vi-VN" sz="1600" dirty="0"/>
+                        <a:t> Client</a:t>
+                      </a:r>
+                      <a:endParaRPr lang="en-US" sz="1600" dirty="0"/>
+                    </a:p>
+                  </a:txBody>
+                  <a:tcPr/>
+                </a:tc>
+                <a:tc>
+                  <a:txBody>
+                    <a:bodyPr/>
+                    <a:lstStyle/>
+                    <a:p>
+                      <a:r>
+                        <a:rPr lang="vi-VN" sz="1600" dirty="0"/>
+                        <a:t>Gửi thông điệp người dùng chọn đáp án đúng</a:t>
+                      </a:r>
+                      <a:endParaRPr lang="en-US" sz="1600" dirty="0"/>
+                    </a:p>
+                  </a:txBody>
+                  <a:tcPr/>
+                </a:tc>
+                <a:extLst>
+                  <a:ext uri="{0D108BD9-81ED-4DB2-BD59-A6C34878D82A}">
+                    <a16:rowId xmlns:a16="http://schemas.microsoft.com/office/drawing/2014/main" val="2547869485"/>
+                  </a:ext>
+                </a:extLst>
+              </a:tr>
+              <a:tr h="328068">
+                <a:tc>
+                  <a:txBody>
+                    <a:bodyPr/>
+                    <a:lstStyle/>
+                    <a:p>
+                      <a:r>
+                        <a:rPr lang="vi-VN" sz="1600" dirty="0"/>
+                        <a:t>0x10</a:t>
+                      </a:r>
+                      <a:endParaRPr lang="en-US" sz="1600" dirty="0"/>
+                    </a:p>
+                  </a:txBody>
+                  <a:tcPr/>
+                </a:tc>
+                <a:tc>
+                  <a:txBody>
+                    <a:bodyPr/>
+                    <a:lstStyle/>
+                    <a:p>
+                      <a:pPr marL="0" marR="0" lvl="0" indent="0" algn="l" defTabSz="914400" rtl="0" eaLnBrk="1" fontAlgn="auto" latinLnBrk="0" hangingPunct="1">
+                        <a:lnSpc>
+                          <a:spcPct val="100000"/>
+                        </a:lnSpc>
+                        <a:spcBef>
+                          <a:spcPts val="0"/>
+                        </a:spcBef>
+                        <a:spcAft>
+                          <a:spcPts val="0"/>
+                        </a:spcAft>
+                        <a:buClrTx/>
+                        <a:buSzTx/>
+                        <a:buFontTx/>
+                        <a:buNone/>
+                        <a:tabLst/>
+                        <a:defRPr/>
+                      </a:pPr>
+                      <a:r>
+                        <a:rPr lang="vi-VN" sz="1600" dirty="0"/>
+                        <a:t>Server </a:t>
+                      </a:r>
+                      <a:r>
+                        <a:rPr lang="en-US" sz="1600" dirty="0"/>
+                        <a:t>→</a:t>
+                      </a:r>
+                      <a:r>
+                        <a:rPr lang="vi-VN" sz="1600" dirty="0"/>
+                        <a:t> Client</a:t>
+                      </a:r>
+                      <a:endParaRPr lang="en-US" sz="1600" dirty="0"/>
+                    </a:p>
+                  </a:txBody>
+                  <a:tcPr/>
+                </a:tc>
+                <a:tc>
+                  <a:txBody>
+                    <a:bodyPr/>
+                    <a:lstStyle/>
+                    <a:p>
+                      <a:r>
+                        <a:rPr lang="vi-VN" sz="1600" dirty="0"/>
+                        <a:t>Người dùng chọn đáp án sai</a:t>
+                      </a:r>
+                      <a:endParaRPr lang="en-US" sz="1600" dirty="0"/>
+                    </a:p>
+                  </a:txBody>
+                  <a:tcPr/>
+                </a:tc>
+                <a:extLst>
+                  <a:ext uri="{0D108BD9-81ED-4DB2-BD59-A6C34878D82A}">
+                    <a16:rowId xmlns:a16="http://schemas.microsoft.com/office/drawing/2014/main" val="3428171566"/>
+                  </a:ext>
+                </a:extLst>
+              </a:tr>
+            </a:tbl>
+          </a:graphicData>
+        </a:graphic>
+      </p:graphicFrame>
     </p:spTree>
     <p:extLst>
       <p:ext uri="{BB962C8B-B14F-4D97-AF65-F5344CB8AC3E}">
-        <p14:creationId xmlns:p14="http://schemas.microsoft.com/office/powerpoint/2010/main" val="1341840600"/>
+        <p14:creationId xmlns:p14="http://schemas.microsoft.com/office/powerpoint/2010/main" val="2555936117"/>
       </p:ext>
     </p:extLst>
   </p:cSld>
@@ -5029,7 +5944,13 @@
   <p:cSld>
     <p:spTree>
       <p:nvGrpSpPr>
-        <p:cNvPr id="1" name=""/>
+        <p:cNvPr id="1" name="">
+          <a:extLst>
+            <a:ext uri="{FF2B5EF4-FFF2-40B4-BE49-F238E27FC236}">
+              <a16:creationId xmlns:a16="http://schemas.microsoft.com/office/drawing/2014/main" id="{5D8B3DA6-12B8-4D73-EB99-113235C5D11C}"/>
+            </a:ext>
+          </a:extLst>
+        </p:cNvPr>
         <p:cNvGrpSpPr/>
         <p:nvPr/>
       </p:nvGrpSpPr>
@@ -5043,60 +5964,10 @@
       </p:grpSpPr>
       <p:sp>
         <p:nvSpPr>
-          <p:cNvPr id="2" name="Title 1">
-            <a:extLst>
-              <a:ext uri="{FF2B5EF4-FFF2-40B4-BE49-F238E27FC236}">
-                <a16:creationId xmlns:a16="http://schemas.microsoft.com/office/drawing/2014/main" id="{66CA7ECF-1792-4255-AF79-1338056A166B}"/>
-              </a:ext>
-            </a:extLst>
-          </p:cNvPr>
-          <p:cNvSpPr>
-            <a:spLocks noGrp="1"/>
-          </p:cNvSpPr>
-          <p:nvPr>
-            <p:ph type="title"/>
-          </p:nvPr>
-        </p:nvSpPr>
-        <p:spPr/>
-        <p:txBody>
-          <a:bodyPr/>
-          <a:lstStyle/>
-          <a:p>
-            <a:endParaRPr lang="en-US"/>
-          </a:p>
-        </p:txBody>
-      </p:sp>
-      <p:sp>
-        <p:nvSpPr>
-          <p:cNvPr id="3" name="Text Placeholder 2">
-            <a:extLst>
-              <a:ext uri="{FF2B5EF4-FFF2-40B4-BE49-F238E27FC236}">
-                <a16:creationId xmlns:a16="http://schemas.microsoft.com/office/drawing/2014/main" id="{387A365B-2C63-46A3-AD64-BA52831BEC40}"/>
-              </a:ext>
-            </a:extLst>
-          </p:cNvPr>
-          <p:cNvSpPr>
-            <a:spLocks noGrp="1"/>
-          </p:cNvSpPr>
-          <p:nvPr>
-            <p:ph type="body" sz="quarter" idx="13"/>
-          </p:nvPr>
-        </p:nvSpPr>
-        <p:spPr/>
-        <p:txBody>
-          <a:bodyPr/>
-          <a:lstStyle/>
-          <a:p>
-            <a:endParaRPr lang="en-US"/>
-          </a:p>
-        </p:txBody>
-      </p:sp>
-      <p:sp>
-        <p:nvSpPr>
-          <p:cNvPr id="4" name="Slide Number Placeholder 3">
-            <a:extLst>
-              <a:ext uri="{FF2B5EF4-FFF2-40B4-BE49-F238E27FC236}">
-                <a16:creationId xmlns:a16="http://schemas.microsoft.com/office/drawing/2014/main" id="{FB67697B-E2F6-452F-B4AF-9444ACC6F580}"/>
+          <p:cNvPr id="2" name="Slide Number Placeholder 1">
+            <a:extLst>
+              <a:ext uri="{FF2B5EF4-FFF2-40B4-BE49-F238E27FC236}">
+                <a16:creationId xmlns:a16="http://schemas.microsoft.com/office/drawing/2014/main" id="{08224257-9C16-F54B-E6A4-3544DBBC8B88}"/>
               </a:ext>
             </a:extLst>
           </p:cNvPr>
@@ -5121,10 +5992,806 @@
           </a:p>
         </p:txBody>
       </p:sp>
+      <p:sp>
+        <p:nvSpPr>
+          <p:cNvPr id="3" name="Title 2">
+            <a:extLst>
+              <a:ext uri="{FF2B5EF4-FFF2-40B4-BE49-F238E27FC236}">
+                <a16:creationId xmlns:a16="http://schemas.microsoft.com/office/drawing/2014/main" id="{D858E631-FF08-DF29-8EC0-3B4C851B9A49}"/>
+              </a:ext>
+            </a:extLst>
+          </p:cNvPr>
+          <p:cNvSpPr>
+            <a:spLocks noGrp="1"/>
+          </p:cNvSpPr>
+          <p:nvPr>
+            <p:ph type="title"/>
+          </p:nvPr>
+        </p:nvSpPr>
+        <p:spPr/>
+        <p:txBody>
+          <a:bodyPr/>
+          <a:lstStyle/>
+          <a:p>
+            <a:r>
+              <a:rPr lang="vi-VN" dirty="0"/>
+              <a:t>Bảng định dạng thông điệp (tiếp)</a:t>
+            </a:r>
+          </a:p>
+        </p:txBody>
+      </p:sp>
+      <p:graphicFrame>
+        <p:nvGraphicFramePr>
+          <p:cNvPr id="6" name="Table 5">
+            <a:extLst>
+              <a:ext uri="{FF2B5EF4-FFF2-40B4-BE49-F238E27FC236}">
+                <a16:creationId xmlns:a16="http://schemas.microsoft.com/office/drawing/2014/main" id="{E9DC84DA-A0E2-0EF7-1117-5D602B70FAAC}"/>
+              </a:ext>
+            </a:extLst>
+          </p:cNvPr>
+          <p:cNvGraphicFramePr>
+            <a:graphicFrameLocks noGrp="1"/>
+          </p:cNvGraphicFramePr>
+          <p:nvPr>
+            <p:extLst>
+              <p:ext uri="{D42A27DB-BD31-4B8C-83A1-F6EECF244321}">
+                <p14:modId xmlns:p14="http://schemas.microsoft.com/office/powerpoint/2010/main" val="2919287358"/>
+              </p:ext>
+            </p:extLst>
+          </p:nvPr>
+        </p:nvGraphicFramePr>
+        <p:xfrm>
+          <a:off x="235077" y="1047248"/>
+          <a:ext cx="8566026" cy="4397422"/>
+        </p:xfrm>
+        <a:graphic>
+          <a:graphicData uri="http://schemas.openxmlformats.org/drawingml/2006/table">
+            <a:tbl>
+              <a:tblPr firstRow="1" bandRow="1">
+                <a:tableStyleId>{5C22544A-7EE6-4342-B048-85BDC9FD1C3A}</a:tableStyleId>
+              </a:tblPr>
+              <a:tblGrid>
+                <a:gridCol w="1556659">
+                  <a:extLst>
+                    <a:ext uri="{9D8B030D-6E8A-4147-A177-3AD203B41FA5}">
+                      <a16:colId xmlns:a16="http://schemas.microsoft.com/office/drawing/2014/main" val="2131456512"/>
+                    </a:ext>
+                  </a:extLst>
+                </a:gridCol>
+                <a:gridCol w="1703614">
+                  <a:extLst>
+                    <a:ext uri="{9D8B030D-6E8A-4147-A177-3AD203B41FA5}">
+                      <a16:colId xmlns:a16="http://schemas.microsoft.com/office/drawing/2014/main" val="1416479869"/>
+                    </a:ext>
+                  </a:extLst>
+                </a:gridCol>
+                <a:gridCol w="5305753">
+                  <a:extLst>
+                    <a:ext uri="{9D8B030D-6E8A-4147-A177-3AD203B41FA5}">
+                      <a16:colId xmlns:a16="http://schemas.microsoft.com/office/drawing/2014/main" val="1888213712"/>
+                    </a:ext>
+                  </a:extLst>
+                </a:gridCol>
+              </a:tblGrid>
+              <a:tr h="414702">
+                <a:tc>
+                  <a:txBody>
+                    <a:bodyPr/>
+                    <a:lstStyle/>
+                    <a:p>
+                      <a:r>
+                        <a:rPr lang="vi-VN" sz="1600" dirty="0"/>
+                        <a:t>Thông điệp</a:t>
+                      </a:r>
+                      <a:endParaRPr lang="en-US" sz="1600" dirty="0"/>
+                    </a:p>
+                  </a:txBody>
+                  <a:tcPr/>
+                </a:tc>
+                <a:tc>
+                  <a:txBody>
+                    <a:bodyPr/>
+                    <a:lstStyle/>
+                    <a:p>
+                      <a:r>
+                        <a:rPr lang="vi-VN" sz="1600" dirty="0"/>
+                        <a:t>Phía gửi</a:t>
+                      </a:r>
+                      <a:endParaRPr lang="en-US" sz="1600" dirty="0"/>
+                    </a:p>
+                  </a:txBody>
+                  <a:tcPr/>
+                </a:tc>
+                <a:tc>
+                  <a:txBody>
+                    <a:bodyPr/>
+                    <a:lstStyle/>
+                    <a:p>
+                      <a:r>
+                        <a:rPr lang="vi-VN" sz="1600" dirty="0"/>
+                        <a:t>Mô tả</a:t>
+                      </a:r>
+                      <a:endParaRPr lang="en-US" sz="1600" dirty="0"/>
+                    </a:p>
+                  </a:txBody>
+                  <a:tcPr/>
+                </a:tc>
+                <a:extLst>
+                  <a:ext uri="{0D108BD9-81ED-4DB2-BD59-A6C34878D82A}">
+                    <a16:rowId xmlns:a16="http://schemas.microsoft.com/office/drawing/2014/main" val="210979217"/>
+                  </a:ext>
+                </a:extLst>
+              </a:tr>
+              <a:tr h="370840">
+                <a:tc>
+                  <a:txBody>
+                    <a:bodyPr/>
+                    <a:lstStyle/>
+                    <a:p>
+                      <a:r>
+                        <a:rPr lang="vi-VN" sz="1600" dirty="0"/>
+                        <a:t>0x11</a:t>
+                      </a:r>
+                      <a:endParaRPr lang="en-US" sz="1600" dirty="0"/>
+                    </a:p>
+                  </a:txBody>
+                  <a:tcPr/>
+                </a:tc>
+                <a:tc>
+                  <a:txBody>
+                    <a:bodyPr/>
+                    <a:lstStyle/>
+                    <a:p>
+                      <a:r>
+                        <a:rPr lang="en-US" sz="1600" dirty="0"/>
+                        <a:t>Client → Server</a:t>
+                      </a:r>
+                    </a:p>
+                  </a:txBody>
+                  <a:tcPr/>
+                </a:tc>
+                <a:tc>
+                  <a:txBody>
+                    <a:bodyPr/>
+                    <a:lstStyle/>
+                    <a:p>
+                      <a:r>
+                        <a:rPr lang="vi-VN" sz="1600" dirty="0"/>
+                        <a:t>Gửi yêu cầu sử dụng sự trợ giúp 50/50</a:t>
+                      </a:r>
+                      <a:endParaRPr lang="en-US" sz="1600" dirty="0"/>
+                    </a:p>
+                  </a:txBody>
+                  <a:tcPr/>
+                </a:tc>
+                <a:extLst>
+                  <a:ext uri="{0D108BD9-81ED-4DB2-BD59-A6C34878D82A}">
+                    <a16:rowId xmlns:a16="http://schemas.microsoft.com/office/drawing/2014/main" val="4119754301"/>
+                  </a:ext>
+                </a:extLst>
+              </a:tr>
+              <a:tr h="370840">
+                <a:tc>
+                  <a:txBody>
+                    <a:bodyPr/>
+                    <a:lstStyle/>
+                    <a:p>
+                      <a:r>
+                        <a:rPr lang="vi-VN" sz="1600" dirty="0"/>
+                        <a:t>0x</a:t>
+                      </a:r>
+                      <a:r>
+                        <a:rPr lang="en-US" sz="1600" dirty="0"/>
+                        <a:t>12</a:t>
+                      </a:r>
+                    </a:p>
+                  </a:txBody>
+                  <a:tcPr/>
+                </a:tc>
+                <a:tc>
+                  <a:txBody>
+                    <a:bodyPr/>
+                    <a:lstStyle/>
+                    <a:p>
+                      <a:r>
+                        <a:rPr lang="vi-VN" sz="1600" dirty="0"/>
+                        <a:t>Server </a:t>
+                      </a:r>
+                      <a:r>
+                        <a:rPr lang="en-US" sz="1600" dirty="0"/>
+                        <a:t>→</a:t>
+                      </a:r>
+                      <a:r>
+                        <a:rPr lang="vi-VN" sz="1600" dirty="0"/>
+                        <a:t> Client</a:t>
+                      </a:r>
+                      <a:endParaRPr lang="en-US" sz="1600" dirty="0"/>
+                    </a:p>
+                  </a:txBody>
+                  <a:tcPr/>
+                </a:tc>
+                <a:tc>
+                  <a:txBody>
+                    <a:bodyPr/>
+                    <a:lstStyle/>
+                    <a:p>
+                      <a:r>
+                        <a:rPr lang="vi-VN" sz="1600" dirty="0"/>
+                        <a:t>Trả về kết quả đúng</a:t>
+                      </a:r>
+                      <a:endParaRPr lang="en-US" sz="1600" dirty="0"/>
+                    </a:p>
+                  </a:txBody>
+                  <a:tcPr/>
+                </a:tc>
+                <a:extLst>
+                  <a:ext uri="{0D108BD9-81ED-4DB2-BD59-A6C34878D82A}">
+                    <a16:rowId xmlns:a16="http://schemas.microsoft.com/office/drawing/2014/main" val="3202592873"/>
+                  </a:ext>
+                </a:extLst>
+              </a:tr>
+              <a:tr h="370840">
+                <a:tc>
+                  <a:txBody>
+                    <a:bodyPr/>
+                    <a:lstStyle/>
+                    <a:p>
+                      <a:r>
+                        <a:rPr lang="vi-VN" sz="1600" dirty="0"/>
+                        <a:t>0x13</a:t>
+                      </a:r>
+                      <a:endParaRPr lang="en-US" sz="1600" dirty="0"/>
+                    </a:p>
+                  </a:txBody>
+                  <a:tcPr/>
+                </a:tc>
+                <a:tc>
+                  <a:txBody>
+                    <a:bodyPr/>
+                    <a:lstStyle/>
+                    <a:p>
+                      <a:r>
+                        <a:rPr lang="en-US" sz="1600" dirty="0"/>
+                        <a:t>Client → Server</a:t>
+                      </a:r>
+                    </a:p>
+                  </a:txBody>
+                  <a:tcPr/>
+                </a:tc>
+                <a:tc>
+                  <a:txBody>
+                    <a:bodyPr/>
+                    <a:lstStyle/>
+                    <a:p>
+                      <a:r>
+                        <a:rPr lang="vi-VN" sz="1600" dirty="0"/>
+                        <a:t>Gửi yêu cầu tạo phòng</a:t>
+                      </a:r>
+                      <a:endParaRPr lang="en-US" sz="1600" dirty="0"/>
+                    </a:p>
+                  </a:txBody>
+                  <a:tcPr/>
+                </a:tc>
+                <a:extLst>
+                  <a:ext uri="{0D108BD9-81ED-4DB2-BD59-A6C34878D82A}">
+                    <a16:rowId xmlns:a16="http://schemas.microsoft.com/office/drawing/2014/main" val="533751023"/>
+                  </a:ext>
+                </a:extLst>
+              </a:tr>
+              <a:tr h="370840">
+                <a:tc>
+                  <a:txBody>
+                    <a:bodyPr/>
+                    <a:lstStyle/>
+                    <a:p>
+                      <a:r>
+                        <a:rPr lang="vi-VN" sz="1600" dirty="0"/>
+                        <a:t>0x14</a:t>
+                      </a:r>
+                      <a:endParaRPr lang="en-US" sz="1600" dirty="0"/>
+                    </a:p>
+                  </a:txBody>
+                  <a:tcPr/>
+                </a:tc>
+                <a:tc>
+                  <a:txBody>
+                    <a:bodyPr/>
+                    <a:lstStyle/>
+                    <a:p>
+                      <a:pPr marL="0" marR="0" lvl="0" indent="0" algn="l" defTabSz="914400" rtl="0" eaLnBrk="1" fontAlgn="auto" latinLnBrk="0" hangingPunct="1">
+                        <a:lnSpc>
+                          <a:spcPct val="100000"/>
+                        </a:lnSpc>
+                        <a:spcBef>
+                          <a:spcPts val="0"/>
+                        </a:spcBef>
+                        <a:spcAft>
+                          <a:spcPts val="0"/>
+                        </a:spcAft>
+                        <a:buClrTx/>
+                        <a:buSzTx/>
+                        <a:buFontTx/>
+                        <a:buNone/>
+                        <a:tabLst/>
+                        <a:defRPr/>
+                      </a:pPr>
+                      <a:r>
+                        <a:rPr lang="vi-VN" sz="1600" dirty="0"/>
+                        <a:t>Server </a:t>
+                      </a:r>
+                      <a:r>
+                        <a:rPr lang="en-US" sz="1600" dirty="0"/>
+                        <a:t>→</a:t>
+                      </a:r>
+                      <a:r>
+                        <a:rPr lang="vi-VN" sz="1600" dirty="0"/>
+                        <a:t> Client</a:t>
+                      </a:r>
+                      <a:endParaRPr lang="en-US" sz="1600" dirty="0"/>
+                    </a:p>
+                  </a:txBody>
+                  <a:tcPr/>
+                </a:tc>
+                <a:tc>
+                  <a:txBody>
+                    <a:bodyPr/>
+                    <a:lstStyle/>
+                    <a:p>
+                      <a:r>
+                        <a:rPr lang="vi-VN" sz="1600" dirty="0"/>
+                        <a:t>Gửi danh sách phòng mới cập nhật</a:t>
+                      </a:r>
+                      <a:endParaRPr lang="en-US" sz="1600" dirty="0"/>
+                    </a:p>
+                  </a:txBody>
+                  <a:tcPr/>
+                </a:tc>
+                <a:extLst>
+                  <a:ext uri="{0D108BD9-81ED-4DB2-BD59-A6C34878D82A}">
+                    <a16:rowId xmlns:a16="http://schemas.microsoft.com/office/drawing/2014/main" val="4173729533"/>
+                  </a:ext>
+                </a:extLst>
+              </a:tr>
+              <a:tr h="328068">
+                <a:tc>
+                  <a:txBody>
+                    <a:bodyPr/>
+                    <a:lstStyle/>
+                    <a:p>
+                      <a:r>
+                        <a:rPr lang="vi-VN" sz="1600" dirty="0"/>
+                        <a:t>0x15</a:t>
+                      </a:r>
+                      <a:endParaRPr lang="en-US" sz="1600" dirty="0"/>
+                    </a:p>
+                  </a:txBody>
+                  <a:tcPr/>
+                </a:tc>
+                <a:tc>
+                  <a:txBody>
+                    <a:bodyPr/>
+                    <a:lstStyle/>
+                    <a:p>
+                      <a:pPr marL="0" marR="0" lvl="0" indent="0" algn="l" defTabSz="914400" rtl="0" eaLnBrk="1" fontAlgn="auto" latinLnBrk="0" hangingPunct="1">
+                        <a:lnSpc>
+                          <a:spcPct val="100000"/>
+                        </a:lnSpc>
+                        <a:spcBef>
+                          <a:spcPts val="0"/>
+                        </a:spcBef>
+                        <a:spcAft>
+                          <a:spcPts val="0"/>
+                        </a:spcAft>
+                        <a:buClrTx/>
+                        <a:buSzTx/>
+                        <a:buFontTx/>
+                        <a:buNone/>
+                        <a:tabLst/>
+                        <a:defRPr/>
+                      </a:pPr>
+                      <a:r>
+                        <a:rPr lang="en-US" sz="1600" dirty="0"/>
+                        <a:t>Client → Server</a:t>
+                      </a:r>
+                      <a:r>
+                        <a:rPr lang="vi-VN" sz="1600" dirty="0"/>
+                        <a:t> </a:t>
+                      </a:r>
+                      <a:endParaRPr lang="en-US" sz="1600" dirty="0"/>
+                    </a:p>
+                  </a:txBody>
+                  <a:tcPr/>
+                </a:tc>
+                <a:tc>
+                  <a:txBody>
+                    <a:bodyPr/>
+                    <a:lstStyle/>
+                    <a:p>
+                      <a:r>
+                        <a:rPr lang="vi-VN" sz="1600" dirty="0"/>
+                        <a:t>Gửi thông điệp join phòng</a:t>
+                      </a:r>
+                      <a:endParaRPr lang="en-US" sz="1600" dirty="0"/>
+                    </a:p>
+                  </a:txBody>
+                  <a:tcPr/>
+                </a:tc>
+                <a:extLst>
+                  <a:ext uri="{0D108BD9-81ED-4DB2-BD59-A6C34878D82A}">
+                    <a16:rowId xmlns:a16="http://schemas.microsoft.com/office/drawing/2014/main" val="2918780799"/>
+                  </a:ext>
+                </a:extLst>
+              </a:tr>
+              <a:tr h="328068">
+                <a:tc>
+                  <a:txBody>
+                    <a:bodyPr/>
+                    <a:lstStyle/>
+                    <a:p>
+                      <a:r>
+                        <a:rPr lang="vi-VN" sz="1600" dirty="0"/>
+                        <a:t>0x16</a:t>
+                      </a:r>
+                      <a:endParaRPr lang="en-US" sz="1600" dirty="0"/>
+                    </a:p>
+                  </a:txBody>
+                  <a:tcPr/>
+                </a:tc>
+                <a:tc>
+                  <a:txBody>
+                    <a:bodyPr/>
+                    <a:lstStyle/>
+                    <a:p>
+                      <a:pPr marL="0" marR="0" lvl="0" indent="0" algn="l" defTabSz="914400" rtl="0" eaLnBrk="1" fontAlgn="auto" latinLnBrk="0" hangingPunct="1">
+                        <a:lnSpc>
+                          <a:spcPct val="100000"/>
+                        </a:lnSpc>
+                        <a:spcBef>
+                          <a:spcPts val="0"/>
+                        </a:spcBef>
+                        <a:spcAft>
+                          <a:spcPts val="0"/>
+                        </a:spcAft>
+                        <a:buClrTx/>
+                        <a:buSzTx/>
+                        <a:buFontTx/>
+                        <a:buNone/>
+                        <a:tabLst/>
+                        <a:defRPr/>
+                      </a:pPr>
+                      <a:r>
+                        <a:rPr lang="vi-VN" sz="1600" dirty="0"/>
+                        <a:t>Server </a:t>
+                      </a:r>
+                      <a:r>
+                        <a:rPr lang="en-US" sz="1600" dirty="0"/>
+                        <a:t>→</a:t>
+                      </a:r>
+                      <a:r>
+                        <a:rPr lang="vi-VN" sz="1600" dirty="0"/>
+                        <a:t> Client</a:t>
+                      </a:r>
+                      <a:endParaRPr lang="en-US" sz="1600" dirty="0"/>
+                    </a:p>
+                  </a:txBody>
+                  <a:tcPr/>
+                </a:tc>
+                <a:tc>
+                  <a:txBody>
+                    <a:bodyPr/>
+                    <a:lstStyle/>
+                    <a:p>
+                      <a:r>
+                        <a:rPr lang="vi-VN" sz="1600" dirty="0"/>
+                        <a:t>Gửi thông báo bắt đầu trò chơi</a:t>
+                      </a:r>
+                      <a:endParaRPr lang="en-US" sz="1600" dirty="0"/>
+                    </a:p>
+                  </a:txBody>
+                  <a:tcPr/>
+                </a:tc>
+                <a:extLst>
+                  <a:ext uri="{0D108BD9-81ED-4DB2-BD59-A6C34878D82A}">
+                    <a16:rowId xmlns:a16="http://schemas.microsoft.com/office/drawing/2014/main" val="1079580832"/>
+                  </a:ext>
+                </a:extLst>
+              </a:tr>
+              <a:tr h="328068">
+                <a:tc>
+                  <a:txBody>
+                    <a:bodyPr/>
+                    <a:lstStyle/>
+                    <a:p>
+                      <a:r>
+                        <a:rPr lang="vi-VN" sz="1600" dirty="0"/>
+                        <a:t>0x17</a:t>
+                      </a:r>
+                      <a:endParaRPr lang="en-US" sz="1600" dirty="0"/>
+                    </a:p>
+                  </a:txBody>
+                  <a:tcPr/>
+                </a:tc>
+                <a:tc>
+                  <a:txBody>
+                    <a:bodyPr/>
+                    <a:lstStyle/>
+                    <a:p>
+                      <a:pPr marL="0" marR="0" lvl="0" indent="0" algn="l" defTabSz="914400" rtl="0" eaLnBrk="1" fontAlgn="auto" latinLnBrk="0" hangingPunct="1">
+                        <a:lnSpc>
+                          <a:spcPct val="100000"/>
+                        </a:lnSpc>
+                        <a:spcBef>
+                          <a:spcPts val="0"/>
+                        </a:spcBef>
+                        <a:spcAft>
+                          <a:spcPts val="0"/>
+                        </a:spcAft>
+                        <a:buClrTx/>
+                        <a:buSzTx/>
+                        <a:buFontTx/>
+                        <a:buNone/>
+                        <a:tabLst/>
+                        <a:defRPr/>
+                      </a:pPr>
+                      <a:r>
+                        <a:rPr lang="en-US" sz="1600" dirty="0"/>
+                        <a:t>Client → Server</a:t>
+                      </a:r>
+                      <a:r>
+                        <a:rPr lang="vi-VN" sz="1600" dirty="0"/>
+                        <a:t> </a:t>
+                      </a:r>
+                      <a:endParaRPr lang="en-US" sz="1600" dirty="0"/>
+                    </a:p>
+                  </a:txBody>
+                  <a:tcPr/>
+                </a:tc>
+                <a:tc>
+                  <a:txBody>
+                    <a:bodyPr/>
+                    <a:lstStyle/>
+                    <a:p>
+                      <a:r>
+                        <a:rPr lang="vi-VN" sz="1600" dirty="0"/>
+                        <a:t>Thông báo người dùng đang ở màn hình danh sách phòng</a:t>
+                      </a:r>
+                      <a:endParaRPr lang="en-US" sz="1600" dirty="0"/>
+                    </a:p>
+                  </a:txBody>
+                  <a:tcPr/>
+                </a:tc>
+                <a:extLst>
+                  <a:ext uri="{0D108BD9-81ED-4DB2-BD59-A6C34878D82A}">
+                    <a16:rowId xmlns:a16="http://schemas.microsoft.com/office/drawing/2014/main" val="3590093665"/>
+                  </a:ext>
+                </a:extLst>
+              </a:tr>
+              <a:tr h="328068">
+                <a:tc>
+                  <a:txBody>
+                    <a:bodyPr/>
+                    <a:lstStyle/>
+                    <a:p>
+                      <a:r>
+                        <a:rPr lang="vi-VN" sz="1600" dirty="0"/>
+                        <a:t>0x18</a:t>
+                      </a:r>
+                      <a:endParaRPr lang="en-US" sz="1600" dirty="0"/>
+                    </a:p>
+                  </a:txBody>
+                  <a:tcPr/>
+                </a:tc>
+                <a:tc>
+                  <a:txBody>
+                    <a:bodyPr/>
+                    <a:lstStyle/>
+                    <a:p>
+                      <a:pPr marL="0" marR="0" lvl="0" indent="0" algn="l" defTabSz="914400" rtl="0" eaLnBrk="1" fontAlgn="auto" latinLnBrk="0" hangingPunct="1">
+                        <a:lnSpc>
+                          <a:spcPct val="100000"/>
+                        </a:lnSpc>
+                        <a:spcBef>
+                          <a:spcPts val="0"/>
+                        </a:spcBef>
+                        <a:spcAft>
+                          <a:spcPts val="0"/>
+                        </a:spcAft>
+                        <a:buClrTx/>
+                        <a:buSzTx/>
+                        <a:buFontTx/>
+                        <a:buNone/>
+                        <a:tabLst/>
+                        <a:defRPr/>
+                      </a:pPr>
+                      <a:r>
+                        <a:rPr lang="en-US" sz="1600" dirty="0"/>
+                        <a:t>Client → Server</a:t>
+                      </a:r>
+                      <a:r>
+                        <a:rPr lang="vi-VN" sz="1600" dirty="0"/>
+                        <a:t> </a:t>
+                      </a:r>
+                      <a:endParaRPr lang="en-US" sz="1600" dirty="0"/>
+                    </a:p>
+                  </a:txBody>
+                  <a:tcPr/>
+                </a:tc>
+                <a:tc>
+                  <a:txBody>
+                    <a:bodyPr/>
+                    <a:lstStyle/>
+                    <a:p>
+                      <a:r>
+                        <a:rPr lang="vi-VN" sz="1600" dirty="0"/>
+                        <a:t>Kiểm tra người dùng có đang ở màn hình danh sách phòng không</a:t>
+                      </a:r>
+                      <a:endParaRPr lang="en-US" sz="1600" dirty="0"/>
+                    </a:p>
+                  </a:txBody>
+                  <a:tcPr/>
+                </a:tc>
+                <a:extLst>
+                  <a:ext uri="{0D108BD9-81ED-4DB2-BD59-A6C34878D82A}">
+                    <a16:rowId xmlns:a16="http://schemas.microsoft.com/office/drawing/2014/main" val="750093135"/>
+                  </a:ext>
+                </a:extLst>
+              </a:tr>
+              <a:tr h="328068">
+                <a:tc>
+                  <a:txBody>
+                    <a:bodyPr/>
+                    <a:lstStyle/>
+                    <a:p>
+                      <a:r>
+                        <a:rPr lang="vi-VN" sz="1600" dirty="0"/>
+                        <a:t>0x09</a:t>
+                      </a:r>
+                      <a:endParaRPr lang="en-US" sz="1600" dirty="0"/>
+                    </a:p>
+                  </a:txBody>
+                  <a:tcPr/>
+                </a:tc>
+                <a:tc>
+                  <a:txBody>
+                    <a:bodyPr/>
+                    <a:lstStyle/>
+                    <a:p>
+                      <a:pPr marL="0" marR="0" lvl="0" indent="0" algn="l" defTabSz="914400" rtl="0" eaLnBrk="1" fontAlgn="auto" latinLnBrk="0" hangingPunct="1">
+                        <a:lnSpc>
+                          <a:spcPct val="100000"/>
+                        </a:lnSpc>
+                        <a:spcBef>
+                          <a:spcPts val="0"/>
+                        </a:spcBef>
+                        <a:spcAft>
+                          <a:spcPts val="0"/>
+                        </a:spcAft>
+                        <a:buClrTx/>
+                        <a:buSzTx/>
+                        <a:buFontTx/>
+                        <a:buNone/>
+                        <a:tabLst/>
+                        <a:defRPr/>
+                      </a:pPr>
+                      <a:r>
+                        <a:rPr lang="vi-VN" sz="1600" dirty="0"/>
+                        <a:t>Server </a:t>
+                      </a:r>
+                      <a:r>
+                        <a:rPr lang="en-US" sz="1600" dirty="0"/>
+                        <a:t>→</a:t>
+                      </a:r>
+                      <a:r>
+                        <a:rPr lang="vi-VN" sz="1600" dirty="0"/>
+                        <a:t> Client</a:t>
+                      </a:r>
+                      <a:endParaRPr lang="en-US" sz="1600" dirty="0"/>
+                    </a:p>
+                  </a:txBody>
+                  <a:tcPr/>
+                </a:tc>
+                <a:tc>
+                  <a:txBody>
+                    <a:bodyPr/>
+                    <a:lstStyle/>
+                    <a:p>
+                      <a:r>
+                        <a:rPr lang="vi-VN" sz="1600" dirty="0"/>
+                        <a:t>Gửi thông điệp người dùng chọn đáp án đúng</a:t>
+                      </a:r>
+                      <a:endParaRPr lang="en-US" sz="1600" dirty="0"/>
+                    </a:p>
+                  </a:txBody>
+                  <a:tcPr/>
+                </a:tc>
+                <a:extLst>
+                  <a:ext uri="{0D108BD9-81ED-4DB2-BD59-A6C34878D82A}">
+                    <a16:rowId xmlns:a16="http://schemas.microsoft.com/office/drawing/2014/main" val="2547869485"/>
+                  </a:ext>
+                </a:extLst>
+              </a:tr>
+              <a:tr h="328068">
+                <a:tc>
+                  <a:txBody>
+                    <a:bodyPr/>
+                    <a:lstStyle/>
+                    <a:p>
+                      <a:r>
+                        <a:rPr lang="vi-VN" sz="1600" dirty="0"/>
+                        <a:t>0x10</a:t>
+                      </a:r>
+                      <a:endParaRPr lang="en-US" sz="1600" dirty="0"/>
+                    </a:p>
+                  </a:txBody>
+                  <a:tcPr/>
+                </a:tc>
+                <a:tc>
+                  <a:txBody>
+                    <a:bodyPr/>
+                    <a:lstStyle/>
+                    <a:p>
+                      <a:pPr marL="0" marR="0" lvl="0" indent="0" algn="l" defTabSz="914400" rtl="0" eaLnBrk="1" fontAlgn="auto" latinLnBrk="0" hangingPunct="1">
+                        <a:lnSpc>
+                          <a:spcPct val="100000"/>
+                        </a:lnSpc>
+                        <a:spcBef>
+                          <a:spcPts val="0"/>
+                        </a:spcBef>
+                        <a:spcAft>
+                          <a:spcPts val="0"/>
+                        </a:spcAft>
+                        <a:buClrTx/>
+                        <a:buSzTx/>
+                        <a:buFontTx/>
+                        <a:buNone/>
+                        <a:tabLst/>
+                        <a:defRPr/>
+                      </a:pPr>
+                      <a:r>
+                        <a:rPr lang="vi-VN" sz="1600" dirty="0"/>
+                        <a:t>Server </a:t>
+                      </a:r>
+                      <a:r>
+                        <a:rPr lang="en-US" sz="1600" dirty="0"/>
+                        <a:t>→</a:t>
+                      </a:r>
+                      <a:r>
+                        <a:rPr lang="vi-VN" sz="1600" dirty="0"/>
+                        <a:t> Client</a:t>
+                      </a:r>
+                      <a:endParaRPr lang="en-US" sz="1600" dirty="0"/>
+                    </a:p>
+                  </a:txBody>
+                  <a:tcPr/>
+                </a:tc>
+                <a:tc>
+                  <a:txBody>
+                    <a:bodyPr/>
+                    <a:lstStyle/>
+                    <a:p>
+                      <a:r>
+                        <a:rPr lang="vi-VN" sz="1600" dirty="0"/>
+                        <a:t>Người dùng chọn đáp án sai</a:t>
+                      </a:r>
+                      <a:endParaRPr lang="en-US" sz="1600" dirty="0"/>
+                    </a:p>
+                  </a:txBody>
+                  <a:tcPr/>
+                </a:tc>
+                <a:extLst>
+                  <a:ext uri="{0D108BD9-81ED-4DB2-BD59-A6C34878D82A}">
+                    <a16:rowId xmlns:a16="http://schemas.microsoft.com/office/drawing/2014/main" val="3428171566"/>
+                  </a:ext>
+                </a:extLst>
+              </a:tr>
+            </a:tbl>
+          </a:graphicData>
+        </a:graphic>
+      </p:graphicFrame>
     </p:spTree>
     <p:extLst>
       <p:ext uri="{BB962C8B-B14F-4D97-AF65-F5344CB8AC3E}">
-        <p14:creationId xmlns:p14="http://schemas.microsoft.com/office/powerpoint/2010/main" val="3194012731"/>
+        <p14:creationId xmlns:p14="http://schemas.microsoft.com/office/powerpoint/2010/main" val="3288969512"/>
       </p:ext>
     </p:extLst>
   </p:cSld>
@@ -5153,85 +6820,10 @@
       </p:grpSpPr>
       <p:sp>
         <p:nvSpPr>
-          <p:cNvPr id="2" name="Title 1">
-            <a:extLst>
-              <a:ext uri="{FF2B5EF4-FFF2-40B4-BE49-F238E27FC236}">
-                <a16:creationId xmlns:a16="http://schemas.microsoft.com/office/drawing/2014/main" id="{A2B7E207-A869-B342-B6D9-77005A268D98}"/>
-              </a:ext>
-            </a:extLst>
-          </p:cNvPr>
-          <p:cNvSpPr>
-            <a:spLocks noGrp="1"/>
-          </p:cNvSpPr>
-          <p:nvPr>
-            <p:ph type="title"/>
-          </p:nvPr>
-        </p:nvSpPr>
-        <p:spPr/>
-        <p:txBody>
-          <a:bodyPr/>
-          <a:lstStyle/>
-          <a:p>
-            <a:endParaRPr lang="en-US"/>
-          </a:p>
-        </p:txBody>
-      </p:sp>
-      <p:sp>
-        <p:nvSpPr>
-          <p:cNvPr id="3" name="Content Placeholder 2">
-            <a:extLst>
-              <a:ext uri="{FF2B5EF4-FFF2-40B4-BE49-F238E27FC236}">
-                <a16:creationId xmlns:a16="http://schemas.microsoft.com/office/drawing/2014/main" id="{1B1994D1-B0B9-97CB-A9B2-4F2D31319A30}"/>
-              </a:ext>
-            </a:extLst>
-          </p:cNvPr>
-          <p:cNvSpPr>
-            <a:spLocks noGrp="1"/>
-          </p:cNvSpPr>
-          <p:nvPr>
-            <p:ph sz="half" idx="1"/>
-          </p:nvPr>
-        </p:nvSpPr>
-        <p:spPr/>
-        <p:txBody>
-          <a:bodyPr/>
-          <a:lstStyle/>
-          <a:p>
-            <a:endParaRPr lang="en-US"/>
-          </a:p>
-        </p:txBody>
-      </p:sp>
-      <p:sp>
-        <p:nvSpPr>
-          <p:cNvPr id="4" name="Content Placeholder 3">
-            <a:extLst>
-              <a:ext uri="{FF2B5EF4-FFF2-40B4-BE49-F238E27FC236}">
-                <a16:creationId xmlns:a16="http://schemas.microsoft.com/office/drawing/2014/main" id="{7508968A-F2A2-8005-6E03-B78E65864C76}"/>
-              </a:ext>
-            </a:extLst>
-          </p:cNvPr>
-          <p:cNvSpPr>
-            <a:spLocks noGrp="1"/>
-          </p:cNvSpPr>
-          <p:nvPr>
-            <p:ph sz="half" idx="2"/>
-          </p:nvPr>
-        </p:nvSpPr>
-        <p:spPr/>
-        <p:txBody>
-          <a:bodyPr/>
-          <a:lstStyle/>
-          <a:p>
-            <a:endParaRPr lang="en-US"/>
-          </a:p>
-        </p:txBody>
-      </p:sp>
-      <p:sp>
-        <p:nvSpPr>
-          <p:cNvPr id="5" name="Slide Number Placeholder 4">
-            <a:extLst>
-              <a:ext uri="{FF2B5EF4-FFF2-40B4-BE49-F238E27FC236}">
-                <a16:creationId xmlns:a16="http://schemas.microsoft.com/office/drawing/2014/main" id="{853CF161-A6C1-F8C7-C9A5-5CD5BD5C176E}"/>
+          <p:cNvPr id="2" name="Slide Number Placeholder 1">
+            <a:extLst>
+              <a:ext uri="{FF2B5EF4-FFF2-40B4-BE49-F238E27FC236}">
+                <a16:creationId xmlns:a16="http://schemas.microsoft.com/office/drawing/2014/main" id="{34AD8E52-349C-EF76-69EB-C09C6078A876}"/>
               </a:ext>
             </a:extLst>
           </p:cNvPr>
@@ -5256,10 +6848,85 @@
           </a:p>
         </p:txBody>
       </p:sp>
+      <p:sp>
+        <p:nvSpPr>
+          <p:cNvPr id="3" name="Content Placeholder 2">
+            <a:extLst>
+              <a:ext uri="{FF2B5EF4-FFF2-40B4-BE49-F238E27FC236}">
+                <a16:creationId xmlns:a16="http://schemas.microsoft.com/office/drawing/2014/main" id="{A39BBC82-5CC8-86B3-6CF8-6714E6B82E38}"/>
+              </a:ext>
+            </a:extLst>
+          </p:cNvPr>
+          <p:cNvSpPr>
+            <a:spLocks noGrp="1"/>
+          </p:cNvSpPr>
+          <p:nvPr>
+            <p:ph sz="half" idx="1"/>
+          </p:nvPr>
+        </p:nvSpPr>
+        <p:spPr/>
+        <p:txBody>
+          <a:bodyPr/>
+          <a:lstStyle/>
+          <a:p>
+            <a:endParaRPr lang="en-US"/>
+          </a:p>
+        </p:txBody>
+      </p:sp>
+      <p:sp>
+        <p:nvSpPr>
+          <p:cNvPr id="4" name="Content Placeholder 3">
+            <a:extLst>
+              <a:ext uri="{FF2B5EF4-FFF2-40B4-BE49-F238E27FC236}">
+                <a16:creationId xmlns:a16="http://schemas.microsoft.com/office/drawing/2014/main" id="{E62E6E8B-CA6C-55F9-B624-AB2BC25AF2A3}"/>
+              </a:ext>
+            </a:extLst>
+          </p:cNvPr>
+          <p:cNvSpPr>
+            <a:spLocks noGrp="1"/>
+          </p:cNvSpPr>
+          <p:nvPr>
+            <p:ph sz="half" idx="2"/>
+          </p:nvPr>
+        </p:nvSpPr>
+        <p:spPr/>
+        <p:txBody>
+          <a:bodyPr/>
+          <a:lstStyle/>
+          <a:p>
+            <a:endParaRPr lang="en-US"/>
+          </a:p>
+        </p:txBody>
+      </p:sp>
+      <p:sp>
+        <p:nvSpPr>
+          <p:cNvPr id="5" name="Title 4">
+            <a:extLst>
+              <a:ext uri="{FF2B5EF4-FFF2-40B4-BE49-F238E27FC236}">
+                <a16:creationId xmlns:a16="http://schemas.microsoft.com/office/drawing/2014/main" id="{5131D202-5F2A-ABF7-24FC-3F311F569FC5}"/>
+              </a:ext>
+            </a:extLst>
+          </p:cNvPr>
+          <p:cNvSpPr>
+            <a:spLocks noGrp="1"/>
+          </p:cNvSpPr>
+          <p:nvPr>
+            <p:ph type="title"/>
+          </p:nvPr>
+        </p:nvSpPr>
+        <p:spPr/>
+        <p:txBody>
+          <a:bodyPr/>
+          <a:lstStyle/>
+          <a:p>
+            <a:endParaRPr lang="en-US"/>
+          </a:p>
+        </p:txBody>
+      </p:sp>
     </p:spTree>
     <p:extLst>
       <p:ext uri="{BB962C8B-B14F-4D97-AF65-F5344CB8AC3E}">
-        <p14:creationId xmlns:p14="http://schemas.microsoft.com/office/powerpoint/2010/main" val="3651498809"/>
+        <p14:creationId xmlns:p14="http://schemas.microsoft.com/office/powerpoint/2010/main" val="1341840600"/>
       </p:ext>
     </p:extLst>
   </p:cSld>
@@ -5288,10 +6955,60 @@
       </p:grpSpPr>
       <p:sp>
         <p:nvSpPr>
-          <p:cNvPr id="2" name="Slide Number Placeholder 1">
-            <a:extLst>
-              <a:ext uri="{FF2B5EF4-FFF2-40B4-BE49-F238E27FC236}">
-                <a16:creationId xmlns:a16="http://schemas.microsoft.com/office/drawing/2014/main" id="{0BA5FD9F-F079-E7CB-275B-4B407F7320C6}"/>
+          <p:cNvPr id="2" name="Title 1">
+            <a:extLst>
+              <a:ext uri="{FF2B5EF4-FFF2-40B4-BE49-F238E27FC236}">
+                <a16:creationId xmlns:a16="http://schemas.microsoft.com/office/drawing/2014/main" id="{66CA7ECF-1792-4255-AF79-1338056A166B}"/>
+              </a:ext>
+            </a:extLst>
+          </p:cNvPr>
+          <p:cNvSpPr>
+            <a:spLocks noGrp="1"/>
+          </p:cNvSpPr>
+          <p:nvPr>
+            <p:ph type="title"/>
+          </p:nvPr>
+        </p:nvSpPr>
+        <p:spPr/>
+        <p:txBody>
+          <a:bodyPr/>
+          <a:lstStyle/>
+          <a:p>
+            <a:endParaRPr lang="en-US"/>
+          </a:p>
+        </p:txBody>
+      </p:sp>
+      <p:sp>
+        <p:nvSpPr>
+          <p:cNvPr id="3" name="Text Placeholder 2">
+            <a:extLst>
+              <a:ext uri="{FF2B5EF4-FFF2-40B4-BE49-F238E27FC236}">
+                <a16:creationId xmlns:a16="http://schemas.microsoft.com/office/drawing/2014/main" id="{387A365B-2C63-46A3-AD64-BA52831BEC40}"/>
+              </a:ext>
+            </a:extLst>
+          </p:cNvPr>
+          <p:cNvSpPr>
+            <a:spLocks noGrp="1"/>
+          </p:cNvSpPr>
+          <p:nvPr>
+            <p:ph type="body" sz="quarter" idx="13"/>
+          </p:nvPr>
+        </p:nvSpPr>
+        <p:spPr/>
+        <p:txBody>
+          <a:bodyPr/>
+          <a:lstStyle/>
+          <a:p>
+            <a:endParaRPr lang="en-US"/>
+          </a:p>
+        </p:txBody>
+      </p:sp>
+      <p:sp>
+        <p:nvSpPr>
+          <p:cNvPr id="4" name="Slide Number Placeholder 3">
+            <a:extLst>
+              <a:ext uri="{FF2B5EF4-FFF2-40B4-BE49-F238E27FC236}">
+                <a16:creationId xmlns:a16="http://schemas.microsoft.com/office/drawing/2014/main" id="{FB67697B-E2F6-452F-B4AF-9444ACC6F580}"/>
               </a:ext>
             </a:extLst>
           </p:cNvPr>
@@ -5316,60 +7033,10 @@
           </a:p>
         </p:txBody>
       </p:sp>
-      <p:sp>
-        <p:nvSpPr>
-          <p:cNvPr id="3" name="Title 2">
-            <a:extLst>
-              <a:ext uri="{FF2B5EF4-FFF2-40B4-BE49-F238E27FC236}">
-                <a16:creationId xmlns:a16="http://schemas.microsoft.com/office/drawing/2014/main" id="{CE73DABA-0E07-DDEE-86EE-B4224D9C9822}"/>
-              </a:ext>
-            </a:extLst>
-          </p:cNvPr>
-          <p:cNvSpPr>
-            <a:spLocks noGrp="1"/>
-          </p:cNvSpPr>
-          <p:nvPr>
-            <p:ph type="title"/>
-          </p:nvPr>
-        </p:nvSpPr>
-        <p:spPr/>
-        <p:txBody>
-          <a:bodyPr/>
-          <a:lstStyle/>
-          <a:p>
-            <a:endParaRPr lang="en-US"/>
-          </a:p>
-        </p:txBody>
-      </p:sp>
-      <p:sp>
-        <p:nvSpPr>
-          <p:cNvPr id="4" name="Text Placeholder 3">
-            <a:extLst>
-              <a:ext uri="{FF2B5EF4-FFF2-40B4-BE49-F238E27FC236}">
-                <a16:creationId xmlns:a16="http://schemas.microsoft.com/office/drawing/2014/main" id="{D7A5E0C5-7F9C-BDE6-162B-F94E54DA8B01}"/>
-              </a:ext>
-            </a:extLst>
-          </p:cNvPr>
-          <p:cNvSpPr>
-            <a:spLocks noGrp="1"/>
-          </p:cNvSpPr>
-          <p:nvPr>
-            <p:ph type="body" sz="quarter" idx="13"/>
-          </p:nvPr>
-        </p:nvSpPr>
-        <p:spPr/>
-        <p:txBody>
-          <a:bodyPr/>
-          <a:lstStyle/>
-          <a:p>
-            <a:endParaRPr lang="en-US"/>
-          </a:p>
-        </p:txBody>
-      </p:sp>
     </p:spTree>
     <p:extLst>
       <p:ext uri="{BB962C8B-B14F-4D97-AF65-F5344CB8AC3E}">
-        <p14:creationId xmlns:p14="http://schemas.microsoft.com/office/powerpoint/2010/main" val="644728685"/>
+        <p14:creationId xmlns:p14="http://schemas.microsoft.com/office/powerpoint/2010/main" val="3194012731"/>
       </p:ext>
     </p:extLst>
   </p:cSld>
@@ -5401,7 +7068,7 @@
           <p:cNvPr id="2" name="Title 1">
             <a:extLst>
               <a:ext uri="{FF2B5EF4-FFF2-40B4-BE49-F238E27FC236}">
-                <a16:creationId xmlns:a16="http://schemas.microsoft.com/office/drawing/2014/main" id="{22DE2BCA-A953-E4E8-9DF4-8067541650B1}"/>
+                <a16:creationId xmlns:a16="http://schemas.microsoft.com/office/drawing/2014/main" id="{A2B7E207-A869-B342-B6D9-77005A268D98}"/>
               </a:ext>
             </a:extLst>
           </p:cNvPr>
@@ -5426,7 +7093,7 @@
           <p:cNvPr id="3" name="Content Placeholder 2">
             <a:extLst>
               <a:ext uri="{FF2B5EF4-FFF2-40B4-BE49-F238E27FC236}">
-                <a16:creationId xmlns:a16="http://schemas.microsoft.com/office/drawing/2014/main" id="{F2CD60EA-6653-3AE7-7289-DD8479DAF267}"/>
+                <a16:creationId xmlns:a16="http://schemas.microsoft.com/office/drawing/2014/main" id="{1B1994D1-B0B9-97CB-A9B2-4F2D31319A30}"/>
               </a:ext>
             </a:extLst>
           </p:cNvPr>
@@ -5451,7 +7118,7 @@
           <p:cNvPr id="4" name="Content Placeholder 3">
             <a:extLst>
               <a:ext uri="{FF2B5EF4-FFF2-40B4-BE49-F238E27FC236}">
-                <a16:creationId xmlns:a16="http://schemas.microsoft.com/office/drawing/2014/main" id="{8F3E6E5C-9744-5884-9CF6-BA4CC119CD42}"/>
+                <a16:creationId xmlns:a16="http://schemas.microsoft.com/office/drawing/2014/main" id="{7508968A-F2A2-8005-6E03-B78E65864C76}"/>
               </a:ext>
             </a:extLst>
           </p:cNvPr>
@@ -5476,7 +7143,7 @@
           <p:cNvPr id="5" name="Slide Number Placeholder 4">
             <a:extLst>
               <a:ext uri="{FF2B5EF4-FFF2-40B4-BE49-F238E27FC236}">
-                <a16:creationId xmlns:a16="http://schemas.microsoft.com/office/drawing/2014/main" id="{60385C89-7D1D-5A90-6795-7FC575F1EE57}"/>
+                <a16:creationId xmlns:a16="http://schemas.microsoft.com/office/drawing/2014/main" id="{853CF161-A6C1-F8C7-C9A5-5CD5BD5C176E}"/>
               </a:ext>
             </a:extLst>
           </p:cNvPr>
@@ -5504,7 +7171,7 @@
     </p:spTree>
     <p:extLst>
       <p:ext uri="{BB962C8B-B14F-4D97-AF65-F5344CB8AC3E}">
-        <p14:creationId xmlns:p14="http://schemas.microsoft.com/office/powerpoint/2010/main" val="2581069546"/>
+        <p14:creationId xmlns:p14="http://schemas.microsoft.com/office/powerpoint/2010/main" val="3651498809"/>
       </p:ext>
     </p:extLst>
   </p:cSld>
@@ -5536,7 +7203,7 @@
           <p:cNvPr id="2" name="Slide Number Placeholder 1">
             <a:extLst>
               <a:ext uri="{FF2B5EF4-FFF2-40B4-BE49-F238E27FC236}">
-                <a16:creationId xmlns:a16="http://schemas.microsoft.com/office/drawing/2014/main" id="{39F331FF-7367-F4F4-10DC-9F4CB4892036}"/>
+                <a16:creationId xmlns:a16="http://schemas.microsoft.com/office/drawing/2014/main" id="{0BA5FD9F-F079-E7CB-275B-4B407F7320C6}"/>
               </a:ext>
             </a:extLst>
           </p:cNvPr>
@@ -5566,7 +7233,7 @@
           <p:cNvPr id="3" name="Title 2">
             <a:extLst>
               <a:ext uri="{FF2B5EF4-FFF2-40B4-BE49-F238E27FC236}">
-                <a16:creationId xmlns:a16="http://schemas.microsoft.com/office/drawing/2014/main" id="{CA942A98-C171-982E-551D-E59FBFEFF92E}"/>
+                <a16:creationId xmlns:a16="http://schemas.microsoft.com/office/drawing/2014/main" id="{CE73DABA-0E07-DDEE-86EE-B4224D9C9822}"/>
               </a:ext>
             </a:extLst>
           </p:cNvPr>
@@ -5591,7 +7258,7 @@
           <p:cNvPr id="4" name="Text Placeholder 3">
             <a:extLst>
               <a:ext uri="{FF2B5EF4-FFF2-40B4-BE49-F238E27FC236}">
-                <a16:creationId xmlns:a16="http://schemas.microsoft.com/office/drawing/2014/main" id="{C2E5BA0D-33C2-2FFC-BFBC-D1CF38376477}"/>
+                <a16:creationId xmlns:a16="http://schemas.microsoft.com/office/drawing/2014/main" id="{D7A5E0C5-7F9C-BDE6-162B-F94E54DA8B01}"/>
               </a:ext>
             </a:extLst>
           </p:cNvPr>
@@ -5614,7 +7281,7 @@
     </p:spTree>
     <p:extLst>
       <p:ext uri="{BB962C8B-B14F-4D97-AF65-F5344CB8AC3E}">
-        <p14:creationId xmlns:p14="http://schemas.microsoft.com/office/powerpoint/2010/main" val="1130957413"/>
+        <p14:creationId xmlns:p14="http://schemas.microsoft.com/office/powerpoint/2010/main" val="644728685"/>
       </p:ext>
     </p:extLst>
   </p:cSld>
@@ -5643,10 +7310,85 @@
       </p:grpSpPr>
       <p:sp>
         <p:nvSpPr>
-          <p:cNvPr id="2" name="Slide Number Placeholder 1">
-            <a:extLst>
-              <a:ext uri="{FF2B5EF4-FFF2-40B4-BE49-F238E27FC236}">
-                <a16:creationId xmlns:a16="http://schemas.microsoft.com/office/drawing/2014/main" id="{DA37B5C8-2095-4D2D-97FE-E4E8D89379E1}"/>
+          <p:cNvPr id="2" name="Title 1">
+            <a:extLst>
+              <a:ext uri="{FF2B5EF4-FFF2-40B4-BE49-F238E27FC236}">
+                <a16:creationId xmlns:a16="http://schemas.microsoft.com/office/drawing/2014/main" id="{22DE2BCA-A953-E4E8-9DF4-8067541650B1}"/>
+              </a:ext>
+            </a:extLst>
+          </p:cNvPr>
+          <p:cNvSpPr>
+            <a:spLocks noGrp="1"/>
+          </p:cNvSpPr>
+          <p:nvPr>
+            <p:ph type="title"/>
+          </p:nvPr>
+        </p:nvSpPr>
+        <p:spPr/>
+        <p:txBody>
+          <a:bodyPr/>
+          <a:lstStyle/>
+          <a:p>
+            <a:endParaRPr lang="en-US"/>
+          </a:p>
+        </p:txBody>
+      </p:sp>
+      <p:sp>
+        <p:nvSpPr>
+          <p:cNvPr id="3" name="Content Placeholder 2">
+            <a:extLst>
+              <a:ext uri="{FF2B5EF4-FFF2-40B4-BE49-F238E27FC236}">
+                <a16:creationId xmlns:a16="http://schemas.microsoft.com/office/drawing/2014/main" id="{F2CD60EA-6653-3AE7-7289-DD8479DAF267}"/>
+              </a:ext>
+            </a:extLst>
+          </p:cNvPr>
+          <p:cNvSpPr>
+            <a:spLocks noGrp="1"/>
+          </p:cNvSpPr>
+          <p:nvPr>
+            <p:ph sz="half" idx="1"/>
+          </p:nvPr>
+        </p:nvSpPr>
+        <p:spPr/>
+        <p:txBody>
+          <a:bodyPr/>
+          <a:lstStyle/>
+          <a:p>
+            <a:endParaRPr lang="en-US"/>
+          </a:p>
+        </p:txBody>
+      </p:sp>
+      <p:sp>
+        <p:nvSpPr>
+          <p:cNvPr id="4" name="Content Placeholder 3">
+            <a:extLst>
+              <a:ext uri="{FF2B5EF4-FFF2-40B4-BE49-F238E27FC236}">
+                <a16:creationId xmlns:a16="http://schemas.microsoft.com/office/drawing/2014/main" id="{8F3E6E5C-9744-5884-9CF6-BA4CC119CD42}"/>
+              </a:ext>
+            </a:extLst>
+          </p:cNvPr>
+          <p:cNvSpPr>
+            <a:spLocks noGrp="1"/>
+          </p:cNvSpPr>
+          <p:nvPr>
+            <p:ph sz="half" idx="2"/>
+          </p:nvPr>
+        </p:nvSpPr>
+        <p:spPr/>
+        <p:txBody>
+          <a:bodyPr/>
+          <a:lstStyle/>
+          <a:p>
+            <a:endParaRPr lang="en-US"/>
+          </a:p>
+        </p:txBody>
+      </p:sp>
+      <p:sp>
+        <p:nvSpPr>
+          <p:cNvPr id="5" name="Slide Number Placeholder 4">
+            <a:extLst>
+              <a:ext uri="{FF2B5EF4-FFF2-40B4-BE49-F238E27FC236}">
+                <a16:creationId xmlns:a16="http://schemas.microsoft.com/office/drawing/2014/main" id="{60385C89-7D1D-5A90-6795-7FC575F1EE57}"/>
               </a:ext>
             </a:extLst>
           </p:cNvPr>
@@ -5666,6 +7408,176 @@
               <a:rPr lang="en-US" smtClean="0"/>
               <a:pPr/>
               <a:t>17</a:t>
+            </a:fld>
+            <a:endParaRPr lang="en-US" dirty="0"/>
+          </a:p>
+        </p:txBody>
+      </p:sp>
+    </p:spTree>
+    <p:extLst>
+      <p:ext uri="{BB962C8B-B14F-4D97-AF65-F5344CB8AC3E}">
+        <p14:creationId xmlns:p14="http://schemas.microsoft.com/office/powerpoint/2010/main" val="2581069546"/>
+      </p:ext>
+    </p:extLst>
+  </p:cSld>
+  <p:clrMapOvr>
+    <a:masterClrMapping/>
+  </p:clrMapOvr>
+</p:sld>
+</file>
+
+<file path=ppt/slides/slide18.xml><?xml version="1.0" encoding="utf-8"?>
+<p:sld xmlns:a="http://schemas.openxmlformats.org/drawingml/2006/main" xmlns:r="http://schemas.openxmlformats.org/officeDocument/2006/relationships" xmlns:p="http://schemas.openxmlformats.org/presentationml/2006/main">
+  <p:cSld>
+    <p:spTree>
+      <p:nvGrpSpPr>
+        <p:cNvPr id="1" name=""/>
+        <p:cNvGrpSpPr/>
+        <p:nvPr/>
+      </p:nvGrpSpPr>
+      <p:grpSpPr>
+        <a:xfrm>
+          <a:off x="0" y="0"/>
+          <a:ext cx="0" cy="0"/>
+          <a:chOff x="0" y="0"/>
+          <a:chExt cx="0" cy="0"/>
+        </a:xfrm>
+      </p:grpSpPr>
+      <p:sp>
+        <p:nvSpPr>
+          <p:cNvPr id="2" name="Slide Number Placeholder 1">
+            <a:extLst>
+              <a:ext uri="{FF2B5EF4-FFF2-40B4-BE49-F238E27FC236}">
+                <a16:creationId xmlns:a16="http://schemas.microsoft.com/office/drawing/2014/main" id="{39F331FF-7367-F4F4-10DC-9F4CB4892036}"/>
+              </a:ext>
+            </a:extLst>
+          </p:cNvPr>
+          <p:cNvSpPr>
+            <a:spLocks noGrp="1"/>
+          </p:cNvSpPr>
+          <p:nvPr>
+            <p:ph type="sldNum" sz="quarter" idx="12"/>
+          </p:nvPr>
+        </p:nvSpPr>
+        <p:spPr/>
+        <p:txBody>
+          <a:bodyPr/>
+          <a:lstStyle/>
+          <a:p>
+            <a:fld id="{9EA0BE3B-158A-4EDF-80DC-E394A0D1600F}" type="slidenum">
+              <a:rPr lang="en-US" smtClean="0"/>
+              <a:pPr/>
+              <a:t>18</a:t>
+            </a:fld>
+            <a:endParaRPr lang="en-US" dirty="0"/>
+          </a:p>
+        </p:txBody>
+      </p:sp>
+      <p:sp>
+        <p:nvSpPr>
+          <p:cNvPr id="3" name="Title 2">
+            <a:extLst>
+              <a:ext uri="{FF2B5EF4-FFF2-40B4-BE49-F238E27FC236}">
+                <a16:creationId xmlns:a16="http://schemas.microsoft.com/office/drawing/2014/main" id="{CA942A98-C171-982E-551D-E59FBFEFF92E}"/>
+              </a:ext>
+            </a:extLst>
+          </p:cNvPr>
+          <p:cNvSpPr>
+            <a:spLocks noGrp="1"/>
+          </p:cNvSpPr>
+          <p:nvPr>
+            <p:ph type="title"/>
+          </p:nvPr>
+        </p:nvSpPr>
+        <p:spPr/>
+        <p:txBody>
+          <a:bodyPr/>
+          <a:lstStyle/>
+          <a:p>
+            <a:endParaRPr lang="en-US"/>
+          </a:p>
+        </p:txBody>
+      </p:sp>
+      <p:sp>
+        <p:nvSpPr>
+          <p:cNvPr id="4" name="Text Placeholder 3">
+            <a:extLst>
+              <a:ext uri="{FF2B5EF4-FFF2-40B4-BE49-F238E27FC236}">
+                <a16:creationId xmlns:a16="http://schemas.microsoft.com/office/drawing/2014/main" id="{C2E5BA0D-33C2-2FFC-BFBC-D1CF38376477}"/>
+              </a:ext>
+            </a:extLst>
+          </p:cNvPr>
+          <p:cNvSpPr>
+            <a:spLocks noGrp="1"/>
+          </p:cNvSpPr>
+          <p:nvPr>
+            <p:ph type="body" sz="quarter" idx="13"/>
+          </p:nvPr>
+        </p:nvSpPr>
+        <p:spPr/>
+        <p:txBody>
+          <a:bodyPr/>
+          <a:lstStyle/>
+          <a:p>
+            <a:endParaRPr lang="en-US"/>
+          </a:p>
+        </p:txBody>
+      </p:sp>
+    </p:spTree>
+    <p:extLst>
+      <p:ext uri="{BB962C8B-B14F-4D97-AF65-F5344CB8AC3E}">
+        <p14:creationId xmlns:p14="http://schemas.microsoft.com/office/powerpoint/2010/main" val="1130957413"/>
+      </p:ext>
+    </p:extLst>
+  </p:cSld>
+  <p:clrMapOvr>
+    <a:masterClrMapping/>
+  </p:clrMapOvr>
+</p:sld>
+</file>
+
+<file path=ppt/slides/slide19.xml><?xml version="1.0" encoding="utf-8"?>
+<p:sld xmlns:a="http://schemas.openxmlformats.org/drawingml/2006/main" xmlns:r="http://schemas.openxmlformats.org/officeDocument/2006/relationships" xmlns:p="http://schemas.openxmlformats.org/presentationml/2006/main">
+  <p:cSld>
+    <p:spTree>
+      <p:nvGrpSpPr>
+        <p:cNvPr id="1" name=""/>
+        <p:cNvGrpSpPr/>
+        <p:nvPr/>
+      </p:nvGrpSpPr>
+      <p:grpSpPr>
+        <a:xfrm>
+          <a:off x="0" y="0"/>
+          <a:ext cx="0" cy="0"/>
+          <a:chOff x="0" y="0"/>
+          <a:chExt cx="0" cy="0"/>
+        </a:xfrm>
+      </p:grpSpPr>
+      <p:sp>
+        <p:nvSpPr>
+          <p:cNvPr id="2" name="Slide Number Placeholder 1">
+            <a:extLst>
+              <a:ext uri="{FF2B5EF4-FFF2-40B4-BE49-F238E27FC236}">
+                <a16:creationId xmlns:a16="http://schemas.microsoft.com/office/drawing/2014/main" id="{DA37B5C8-2095-4D2D-97FE-E4E8D89379E1}"/>
+              </a:ext>
+            </a:extLst>
+          </p:cNvPr>
+          <p:cNvSpPr>
+            <a:spLocks noGrp="1"/>
+          </p:cNvSpPr>
+          <p:nvPr>
+            <p:ph type="sldNum" sz="quarter" idx="12"/>
+          </p:nvPr>
+        </p:nvSpPr>
+        <p:spPr/>
+        <p:txBody>
+          <a:bodyPr/>
+          <a:lstStyle/>
+          <a:p>
+            <a:fld id="{9EA0BE3B-158A-4EDF-80DC-E394A0D1600F}" type="slidenum">
+              <a:rPr lang="en-US" smtClean="0"/>
+              <a:pPr/>
+              <a:t>19</a:t>
             </a:fld>
             <a:endParaRPr lang="en-US" dirty="0"/>
           </a:p>
@@ -6237,14 +8149,14 @@
             <p:ph sz="quarter" idx="13"/>
             <p:extLst>
               <p:ext uri="{D42A27DB-BD31-4B8C-83A1-F6EECF244321}">
-                <p14:modId xmlns:p14="http://schemas.microsoft.com/office/powerpoint/2010/main" val="81647192"/>
+                <p14:modId xmlns:p14="http://schemas.microsoft.com/office/powerpoint/2010/main" val="1295683230"/>
               </p:ext>
             </p:extLst>
           </p:nvPr>
         </p:nvGraphicFramePr>
         <p:xfrm>
           <a:off x="250685" y="2574471"/>
-          <a:ext cx="8674098" cy="3388334"/>
+          <a:ext cx="8674098" cy="3612919"/>
         </p:xfrm>
         <a:graphic>
           <a:graphicData uri="http://schemas.openxmlformats.org/drawingml/2006/table">
@@ -6330,9 +8242,51 @@
                     <a:bodyPr/>
                     <a:lstStyle/>
                     <a:p>
+                      <a:pPr marL="285750" indent="-285750">
+                        <a:buFont typeface="Arial" panose="020B0604020202020204" pitchFamily="34" charset="0"/>
+                        <a:buChar char="•"/>
+                      </a:pPr>
                       <a:r>
                         <a:rPr lang="vi-VN" dirty="0"/>
-                        <a:t>Xây dựng logic client, hỗ trợ xây dựng logic backend, xây dựng logic xuất/nhập data</a:t>
+                        <a:t>Xây dựng logic client</a:t>
+                      </a:r>
+                      <a:endParaRPr lang="en-US" dirty="0"/>
+                    </a:p>
+                    <a:p>
+                      <a:pPr marL="285750" indent="-285750">
+                        <a:buFont typeface="Arial" panose="020B0604020202020204" pitchFamily="34" charset="0"/>
+                        <a:buChar char="•"/>
+                      </a:pPr>
+                      <a:r>
+                        <a:rPr lang="en-US" dirty="0"/>
+                        <a:t>H</a:t>
+                      </a:r>
+                      <a:r>
+                        <a:rPr lang="vi-VN" dirty="0"/>
+                        <a:t>ỗ trợ xây dựng logic backend</a:t>
+                      </a:r>
+                      <a:endParaRPr lang="en-US" dirty="0"/>
+                    </a:p>
+                    <a:p>
+                      <a:pPr marL="285750" indent="-285750">
+                        <a:buFont typeface="Arial" panose="020B0604020202020204" pitchFamily="34" charset="0"/>
+                        <a:buChar char="•"/>
+                      </a:pPr>
+                      <a:r>
+                        <a:rPr lang="en-US" dirty="0"/>
+                        <a:t>X</a:t>
+                      </a:r>
+                      <a:r>
+                        <a:rPr lang="vi-VN" dirty="0"/>
+                        <a:t>ây dựng logic</a:t>
+                      </a:r>
+                      <a:r>
+                        <a:rPr lang="en-US" dirty="0"/>
+                        <a:t> </a:t>
+                      </a:r>
+                      <a:r>
+                        <a:rPr lang="vi-VN" dirty="0"/>
+                        <a:t>xuất/nhập data</a:t>
                       </a:r>
                       <a:endParaRPr lang="en-US" dirty="0"/>
                     </a:p>
@@ -6344,11 +8298,52 @@
                     <a:bodyPr/>
                     <a:lstStyle/>
                     <a:p>
+                      <a:pPr marL="285750" indent="-285750">
+                        <a:buFont typeface="Arial" panose="020B0604020202020204" pitchFamily="34" charset="0"/>
+                        <a:buChar char="•"/>
+                      </a:pPr>
                       <a:r>
                         <a:rPr lang="vi-VN" dirty="0"/>
-                        <a:t>Xây dựng logic client, hỗ trợ xây dựng logic backend, xây dựng logic xuất/nhập data</a:t>
+                        <a:t>Xây dựng logic client</a:t>
                       </a:r>
                       <a:endParaRPr lang="en-US" dirty="0"/>
+                    </a:p>
+                    <a:p>
+                      <a:pPr marL="285750" indent="-285750">
+                        <a:buFont typeface="Arial" panose="020B0604020202020204" pitchFamily="34" charset="0"/>
+                        <a:buChar char="•"/>
+                      </a:pPr>
+                      <a:r>
+                        <a:rPr lang="en-US" dirty="0"/>
+                        <a:t>H</a:t>
+                      </a:r>
+                      <a:r>
+                        <a:rPr lang="vi-VN" dirty="0"/>
+                        <a:t>ỗ trợ xây dựng logic backend</a:t>
+                      </a:r>
+                      <a:endParaRPr lang="en-US" dirty="0"/>
+                    </a:p>
+                    <a:p>
+                      <a:pPr marL="285750" indent="-285750">
+                        <a:buFont typeface="Arial" panose="020B0604020202020204" pitchFamily="34" charset="0"/>
+                        <a:buChar char="•"/>
+                      </a:pPr>
+                      <a:r>
+                        <a:rPr lang="en-US" dirty="0"/>
+                        <a:t>X</a:t>
+                      </a:r>
+                      <a:r>
+                        <a:rPr lang="vi-VN" dirty="0"/>
+                        <a:t>ây dựng logic</a:t>
+                      </a:r>
+                      <a:r>
+                        <a:rPr lang="en-US" dirty="0"/>
+                        <a:t> </a:t>
+                      </a:r>
+                      <a:r>
+                        <a:rPr lang="vi-VN" dirty="0"/>
+                        <a:t>xuất/nhập data</a:t>
+                      </a:r>
                     </a:p>
                   </a:txBody>
                   <a:tcPr/>
@@ -6358,9 +8353,40 @@
                     <a:bodyPr/>
                     <a:lstStyle/>
                     <a:p>
+                      <a:pPr marL="285750" indent="-285750">
+                        <a:buFont typeface="Arial" panose="020B0604020202020204" pitchFamily="34" charset="0"/>
+                        <a:buChar char="•"/>
+                      </a:pPr>
+                      <a:r>
+                        <a:rPr lang="en-US" dirty="0"/>
+                        <a:t>X</a:t>
+                      </a:r>
                       <a:r>
                         <a:rPr lang="vi-VN" dirty="0"/>
-                        <a:t>xây dựng logic backend, xây dựng logic xuất/nhập data</a:t>
+                        <a:t>ây dựng logic backend</a:t>
+                      </a:r>
+                      <a:endParaRPr lang="en-US" dirty="0"/>
+                    </a:p>
+                    <a:p>
+                      <a:pPr marL="285750" indent="-285750">
+                        <a:buFont typeface="Arial" panose="020B0604020202020204" pitchFamily="34" charset="0"/>
+                        <a:buChar char="•"/>
+                      </a:pPr>
+                      <a:r>
+                        <a:rPr lang="en-US" dirty="0"/>
+                        <a:t>X</a:t>
+                      </a:r>
+                      <a:r>
+                        <a:rPr lang="vi-VN" dirty="0"/>
+                        <a:t>ây dựng logic</a:t>
+                      </a:r>
+                      <a:r>
+                        <a:rPr lang="en-US" dirty="0"/>
+                        <a:t> </a:t>
+                      </a:r>
+                      <a:r>
+                        <a:rPr lang="vi-VN" dirty="0"/>
+                        <a:t>xuất/nhập data</a:t>
                       </a:r>
                       <a:endParaRPr lang="en-US" dirty="0"/>
                     </a:p>
